--- a/Media/Presentation (1).pptx
+++ b/Media/Presentation (1).pptx
@@ -12,6 +12,12 @@
     <p:sldId id="262" r:id="rId6"/>
     <p:sldId id="260" r:id="rId7"/>
     <p:sldId id="263" r:id="rId8"/>
+    <p:sldId id="264" r:id="rId9"/>
+    <p:sldId id="265" r:id="rId10"/>
+    <p:sldId id="266" r:id="rId11"/>
+    <p:sldId id="267" r:id="rId12"/>
+    <p:sldId id="268" r:id="rId13"/>
+    <p:sldId id="269" r:id="rId14"/>
   </p:sldIdLst>
   <p:sldSz cx="12192000" cy="6858000"/>
   <p:notesSz cx="6858000" cy="9144000"/>
@@ -6290,6 +6296,313 @@
 </p:sld>
 </file>
 
+<file path=ppt/slides/slide10.xml><?xml version="1.0" encoding="utf-8"?>
+<p:sld xmlns:a="http://schemas.openxmlformats.org/drawingml/2006/main" xmlns:r="http://schemas.openxmlformats.org/officeDocument/2006/relationships" xmlns:p="http://schemas.openxmlformats.org/presentationml/2006/main">
+  <p:cSld>
+    <p:spTree>
+      <p:nvGrpSpPr>
+        <p:cNvPr id="1" name=""/>
+        <p:cNvGrpSpPr/>
+        <p:nvPr/>
+      </p:nvGrpSpPr>
+      <p:grpSpPr>
+        <a:xfrm>
+          <a:off x="0" y="0"/>
+          <a:ext cx="0" cy="0"/>
+          <a:chOff x="0" y="0"/>
+          <a:chExt cx="0" cy="0"/>
+        </a:xfrm>
+      </p:grpSpPr>
+      <p:sp>
+        <p:nvSpPr>
+          <p:cNvPr id="2" name="Title 1">
+            <a:extLst>
+              <a:ext uri="{FF2B5EF4-FFF2-40B4-BE49-F238E27FC236}">
+                <a16:creationId xmlns:a16="http://schemas.microsoft.com/office/drawing/2014/main" id="{0456BC63-8286-4450-B80D-55C6165D15EB}"/>
+              </a:ext>
+            </a:extLst>
+          </p:cNvPr>
+          <p:cNvSpPr>
+            <a:spLocks noGrp="1"/>
+          </p:cNvSpPr>
+          <p:nvPr>
+            <p:ph type="title"/>
+          </p:nvPr>
+        </p:nvSpPr>
+        <p:spPr/>
+        <p:txBody>
+          <a:bodyPr/>
+          <a:lstStyle/>
+          <a:p>
+            <a:r>
+              <a:rPr lang="en-US" dirty="0"/>
+              <a:t>results</a:t>
+            </a:r>
+          </a:p>
+        </p:txBody>
+      </p:sp>
+      <p:sp>
+        <p:nvSpPr>
+          <p:cNvPr id="3" name="Content Placeholder 2">
+            <a:extLst>
+              <a:ext uri="{FF2B5EF4-FFF2-40B4-BE49-F238E27FC236}">
+                <a16:creationId xmlns:a16="http://schemas.microsoft.com/office/drawing/2014/main" id="{B3601343-C245-4CDA-9439-9EF5A2FCEEDA}"/>
+              </a:ext>
+            </a:extLst>
+          </p:cNvPr>
+          <p:cNvSpPr>
+            <a:spLocks noGrp="1"/>
+          </p:cNvSpPr>
+          <p:nvPr>
+            <p:ph sz="quarter" idx="13"/>
+          </p:nvPr>
+        </p:nvSpPr>
+        <p:spPr/>
+        <p:txBody>
+          <a:bodyPr/>
+          <a:lstStyle/>
+          <a:p>
+            <a:endParaRPr lang="en-US"/>
+          </a:p>
+        </p:txBody>
+      </p:sp>
+    </p:spTree>
+    <p:extLst>
+      <p:ext uri="{BB962C8B-B14F-4D97-AF65-F5344CB8AC3E}">
+        <p14:creationId xmlns:p14="http://schemas.microsoft.com/office/powerpoint/2010/main" val="3316085294"/>
+      </p:ext>
+    </p:extLst>
+  </p:cSld>
+  <p:clrMapOvr>
+    <a:masterClrMapping/>
+  </p:clrMapOvr>
+</p:sld>
+</file>
+
+<file path=ppt/slides/slide11.xml><?xml version="1.0" encoding="utf-8"?>
+<p:sld xmlns:a="http://schemas.openxmlformats.org/drawingml/2006/main" xmlns:r="http://schemas.openxmlformats.org/officeDocument/2006/relationships" xmlns:p="http://schemas.openxmlformats.org/presentationml/2006/main">
+  <p:cSld>
+    <p:spTree>
+      <p:nvGrpSpPr>
+        <p:cNvPr id="1" name=""/>
+        <p:cNvGrpSpPr/>
+        <p:nvPr/>
+      </p:nvGrpSpPr>
+      <p:grpSpPr>
+        <a:xfrm>
+          <a:off x="0" y="0"/>
+          <a:ext cx="0" cy="0"/>
+          <a:chOff x="0" y="0"/>
+          <a:chExt cx="0" cy="0"/>
+        </a:xfrm>
+      </p:grpSpPr>
+      <p:sp>
+        <p:nvSpPr>
+          <p:cNvPr id="2" name="Title 1">
+            <a:extLst>
+              <a:ext uri="{FF2B5EF4-FFF2-40B4-BE49-F238E27FC236}">
+                <a16:creationId xmlns:a16="http://schemas.microsoft.com/office/drawing/2014/main" id="{F97A27D6-1892-4314-95BC-B25D7022088E}"/>
+              </a:ext>
+            </a:extLst>
+          </p:cNvPr>
+          <p:cNvSpPr>
+            <a:spLocks noGrp="1"/>
+          </p:cNvSpPr>
+          <p:nvPr>
+            <p:ph type="title"/>
+          </p:nvPr>
+        </p:nvSpPr>
+        <p:spPr/>
+        <p:txBody>
+          <a:bodyPr/>
+          <a:lstStyle/>
+          <a:p>
+            <a:r>
+              <a:rPr lang="en-US" dirty="0"/>
+              <a:t>summary</a:t>
+            </a:r>
+          </a:p>
+        </p:txBody>
+      </p:sp>
+      <p:sp>
+        <p:nvSpPr>
+          <p:cNvPr id="3" name="Content Placeholder 2">
+            <a:extLst>
+              <a:ext uri="{FF2B5EF4-FFF2-40B4-BE49-F238E27FC236}">
+                <a16:creationId xmlns:a16="http://schemas.microsoft.com/office/drawing/2014/main" id="{C33BE7B4-0F66-4384-A446-77A811657B6D}"/>
+              </a:ext>
+            </a:extLst>
+          </p:cNvPr>
+          <p:cNvSpPr>
+            <a:spLocks noGrp="1"/>
+          </p:cNvSpPr>
+          <p:nvPr>
+            <p:ph sz="quarter" idx="13"/>
+          </p:nvPr>
+        </p:nvSpPr>
+        <p:spPr/>
+        <p:txBody>
+          <a:bodyPr/>
+          <a:lstStyle/>
+          <a:p>
+            <a:endParaRPr lang="en-US"/>
+          </a:p>
+        </p:txBody>
+      </p:sp>
+    </p:spTree>
+    <p:extLst>
+      <p:ext uri="{BB962C8B-B14F-4D97-AF65-F5344CB8AC3E}">
+        <p14:creationId xmlns:p14="http://schemas.microsoft.com/office/powerpoint/2010/main" val="634061413"/>
+      </p:ext>
+    </p:extLst>
+  </p:cSld>
+  <p:clrMapOvr>
+    <a:masterClrMapping/>
+  </p:clrMapOvr>
+</p:sld>
+</file>
+
+<file path=ppt/slides/slide12.xml><?xml version="1.0" encoding="utf-8"?>
+<p:sld xmlns:a="http://schemas.openxmlformats.org/drawingml/2006/main" xmlns:r="http://schemas.openxmlformats.org/officeDocument/2006/relationships" xmlns:p="http://schemas.openxmlformats.org/presentationml/2006/main">
+  <p:cSld>
+    <p:spTree>
+      <p:nvGrpSpPr>
+        <p:cNvPr id="1" name=""/>
+        <p:cNvGrpSpPr/>
+        <p:nvPr/>
+      </p:nvGrpSpPr>
+      <p:grpSpPr>
+        <a:xfrm>
+          <a:off x="0" y="0"/>
+          <a:ext cx="0" cy="0"/>
+          <a:chOff x="0" y="0"/>
+          <a:chExt cx="0" cy="0"/>
+        </a:xfrm>
+      </p:grpSpPr>
+      <p:sp>
+        <p:nvSpPr>
+          <p:cNvPr id="2" name="Title 1">
+            <a:extLst>
+              <a:ext uri="{FF2B5EF4-FFF2-40B4-BE49-F238E27FC236}">
+                <a16:creationId xmlns:a16="http://schemas.microsoft.com/office/drawing/2014/main" id="{9C3FDE61-42F1-470D-B2E6-62D013A232D2}"/>
+              </a:ext>
+            </a:extLst>
+          </p:cNvPr>
+          <p:cNvSpPr>
+            <a:spLocks noGrp="1"/>
+          </p:cNvSpPr>
+          <p:nvPr>
+            <p:ph type="title"/>
+          </p:nvPr>
+        </p:nvSpPr>
+        <p:spPr/>
+        <p:txBody>
+          <a:bodyPr/>
+          <a:lstStyle/>
+          <a:p>
+            <a:r>
+              <a:rPr lang="en-US" dirty="0"/>
+              <a:t>conclusion</a:t>
+            </a:r>
+          </a:p>
+        </p:txBody>
+      </p:sp>
+      <p:sp>
+        <p:nvSpPr>
+          <p:cNvPr id="3" name="Content Placeholder 2">
+            <a:extLst>
+              <a:ext uri="{FF2B5EF4-FFF2-40B4-BE49-F238E27FC236}">
+                <a16:creationId xmlns:a16="http://schemas.microsoft.com/office/drawing/2014/main" id="{8487D5FA-9C5B-470E-9F7A-6A1936A4DF2E}"/>
+              </a:ext>
+            </a:extLst>
+          </p:cNvPr>
+          <p:cNvSpPr>
+            <a:spLocks noGrp="1"/>
+          </p:cNvSpPr>
+          <p:nvPr>
+            <p:ph sz="quarter" idx="13"/>
+          </p:nvPr>
+        </p:nvSpPr>
+        <p:spPr/>
+        <p:txBody>
+          <a:bodyPr/>
+          <a:lstStyle/>
+          <a:p>
+            <a:endParaRPr lang="en-US"/>
+          </a:p>
+        </p:txBody>
+      </p:sp>
+    </p:spTree>
+    <p:extLst>
+      <p:ext uri="{BB962C8B-B14F-4D97-AF65-F5344CB8AC3E}">
+        <p14:creationId xmlns:p14="http://schemas.microsoft.com/office/powerpoint/2010/main" val="1606343505"/>
+      </p:ext>
+    </p:extLst>
+  </p:cSld>
+  <p:clrMapOvr>
+    <a:masterClrMapping/>
+  </p:clrMapOvr>
+</p:sld>
+</file>
+
+<file path=ppt/slides/slide13.xml><?xml version="1.0" encoding="utf-8"?>
+<p:sld xmlns:a="http://schemas.openxmlformats.org/drawingml/2006/main" xmlns:r="http://schemas.openxmlformats.org/officeDocument/2006/relationships" xmlns:p="http://schemas.openxmlformats.org/presentationml/2006/main">
+  <p:cSld>
+    <p:spTree>
+      <p:nvGrpSpPr>
+        <p:cNvPr id="1" name=""/>
+        <p:cNvGrpSpPr/>
+        <p:nvPr/>
+      </p:nvGrpSpPr>
+      <p:grpSpPr>
+        <a:xfrm>
+          <a:off x="0" y="0"/>
+          <a:ext cx="0" cy="0"/>
+          <a:chOff x="0" y="0"/>
+          <a:chExt cx="0" cy="0"/>
+        </a:xfrm>
+      </p:grpSpPr>
+      <p:sp>
+        <p:nvSpPr>
+          <p:cNvPr id="2" name="Title 1">
+            <a:extLst>
+              <a:ext uri="{FF2B5EF4-FFF2-40B4-BE49-F238E27FC236}">
+                <a16:creationId xmlns:a16="http://schemas.microsoft.com/office/drawing/2014/main" id="{23245021-7DA2-4CA5-A28C-6BBDDE96A043}"/>
+              </a:ext>
+            </a:extLst>
+          </p:cNvPr>
+          <p:cNvSpPr>
+            <a:spLocks noGrp="1"/>
+          </p:cNvSpPr>
+          <p:nvPr>
+            <p:ph type="title"/>
+          </p:nvPr>
+        </p:nvSpPr>
+        <p:spPr/>
+        <p:txBody>
+          <a:bodyPr anchor="ctr"/>
+          <a:lstStyle/>
+          <a:p>
+            <a:r>
+              <a:rPr lang="en-US" dirty="0"/>
+              <a:t>Questions?</a:t>
+            </a:r>
+          </a:p>
+        </p:txBody>
+      </p:sp>
+    </p:spTree>
+    <p:extLst>
+      <p:ext uri="{BB962C8B-B14F-4D97-AF65-F5344CB8AC3E}">
+        <p14:creationId xmlns:p14="http://schemas.microsoft.com/office/powerpoint/2010/main" val="533556499"/>
+      </p:ext>
+    </p:extLst>
+  </p:cSld>
+  <p:clrMapOvr>
+    <a:masterClrMapping/>
+  </p:clrMapOvr>
+</p:sld>
+</file>
+
 <file path=ppt/slides/slide2.xml><?xml version="1.0" encoding="utf-8"?>
 <p:sld xmlns:a="http://schemas.openxmlformats.org/drawingml/2006/main" xmlns:r="http://schemas.openxmlformats.org/officeDocument/2006/relationships" xmlns:p="http://schemas.openxmlformats.org/presentationml/2006/main">
   <p:cSld>
@@ -6713,15 +7026,150 @@
             <p:ph sz="quarter" idx="13"/>
           </p:nvPr>
         </p:nvSpPr>
-        <p:spPr/>
-        <p:txBody>
-          <a:bodyPr/>
-          <a:lstStyle/>
-          <a:p>
-            <a:endParaRPr lang="en-US"/>
-          </a:p>
-        </p:txBody>
-      </p:sp>
+        <p:spPr>
+          <a:xfrm>
+            <a:off x="685801" y="2037300"/>
+            <a:ext cx="8304233" cy="3311189"/>
+          </a:xfrm>
+        </p:spPr>
+        <p:txBody>
+          <a:bodyPr>
+            <a:noAutofit/>
+          </a:bodyPr>
+          <a:lstStyle/>
+          <a:p>
+            <a:r>
+              <a:rPr lang="en-US" sz="1800" b="0" i="0" dirty="0">
+                <a:solidFill>
+                  <a:srgbClr val="1D1C1D"/>
+                </a:solidFill>
+                <a:effectLst/>
+                <a:latin typeface="Slack-Lato"/>
+              </a:rPr>
+              <a:t>Currently employed: </a:t>
+            </a:r>
+            <a:r>
+              <a:rPr lang="en-US" sz="1800" b="0" i="0" dirty="0" err="1">
+                <a:solidFill>
+                  <a:srgbClr val="1D1C1D"/>
+                </a:solidFill>
+                <a:effectLst/>
+                <a:latin typeface="Slack-Lato"/>
+              </a:rPr>
+              <a:t>MetroTransit</a:t>
+            </a:r>
+            <a:r>
+              <a:rPr lang="en-US" sz="1800" b="0" i="0" dirty="0">
+                <a:solidFill>
+                  <a:srgbClr val="1D1C1D"/>
+                </a:solidFill>
+                <a:effectLst/>
+                <a:latin typeface="Slack-Lato"/>
+              </a:rPr>
+              <a:t> Bus Operator for the Metropolitan Council in Minneapolis, MN</a:t>
+            </a:r>
+          </a:p>
+          <a:p>
+            <a:r>
+              <a:rPr lang="en-US" sz="1800" b="0" i="0" dirty="0">
+                <a:solidFill>
+                  <a:srgbClr val="1D1C1D"/>
+                </a:solidFill>
+                <a:effectLst/>
+                <a:latin typeface="Slack-Lato"/>
+              </a:rPr>
+              <a:t>Employment background: 16 years working as a Social Worker for The Bridge for Youth serving youth and families in crisis specifically system involved youth between the ages of 16 and 24, 9.5  years for </a:t>
+            </a:r>
+            <a:r>
+              <a:rPr lang="en-US" sz="1800" b="0" i="0" dirty="0" err="1">
+                <a:solidFill>
+                  <a:srgbClr val="1D1C1D"/>
+                </a:solidFill>
+                <a:effectLst/>
+                <a:latin typeface="Slack-Lato"/>
+              </a:rPr>
+              <a:t>MetroTransit</a:t>
+            </a:r>
+            <a:r>
+              <a:rPr lang="en-US" sz="1800" b="0" i="0" dirty="0">
+                <a:solidFill>
+                  <a:srgbClr val="1D1C1D"/>
+                </a:solidFill>
+                <a:effectLst/>
+                <a:latin typeface="Slack-Lato"/>
+              </a:rPr>
+              <a:t> as a Bus Operator</a:t>
+            </a:r>
+          </a:p>
+          <a:p>
+            <a:r>
+              <a:rPr lang="en-US" sz="1800" b="0" i="0" dirty="0">
+                <a:solidFill>
+                  <a:srgbClr val="1D1C1D"/>
+                </a:solidFill>
+                <a:effectLst/>
+                <a:latin typeface="Slack-Lato"/>
+              </a:rPr>
+              <a:t>Strengths: Analyzing data and summarizing what it means, Python and R</a:t>
+            </a:r>
+          </a:p>
+          <a:p>
+            <a:r>
+              <a:rPr lang="en-US" sz="1800" b="0" i="0" dirty="0">
+                <a:solidFill>
+                  <a:srgbClr val="1D1C1D"/>
+                </a:solidFill>
+                <a:effectLst/>
+                <a:latin typeface="Slack-Lato"/>
+              </a:rPr>
+              <a:t>Hobbies: Gardening ( I really love flowers and plants), Baking, Listening and reading music, and I love to laugh and enjoy the joys of life</a:t>
+            </a:r>
+          </a:p>
+          <a:p>
+            <a:r>
+              <a:rPr lang="en-US" sz="1800" b="0" i="0" dirty="0">
+                <a:solidFill>
+                  <a:srgbClr val="1D1C1D"/>
+                </a:solidFill>
+                <a:effectLst/>
+                <a:latin typeface="Slack-Lato"/>
+              </a:rPr>
+              <a:t>Interesting fact: I know how to play the trumpet and piano</a:t>
+            </a:r>
+            <a:endParaRPr lang="en-US" sz="1800" dirty="0"/>
+          </a:p>
+        </p:txBody>
+      </p:sp>
+      <p:pic>
+        <p:nvPicPr>
+          <p:cNvPr id="4" name="Picture 4">
+            <a:extLst>
+              <a:ext uri="{FF2B5EF4-FFF2-40B4-BE49-F238E27FC236}">
+                <a16:creationId xmlns:a16="http://schemas.microsoft.com/office/drawing/2014/main" id="{D77185AF-1200-4BC7-A032-1268949C5B1A}"/>
+              </a:ext>
+            </a:extLst>
+          </p:cNvPr>
+          <p:cNvPicPr>
+            <a:picLocks noChangeAspect="1"/>
+          </p:cNvPicPr>
+          <p:nvPr/>
+        </p:nvPicPr>
+        <p:blipFill>
+          <a:blip r:embed="rId2"/>
+          <a:stretch>
+            <a:fillRect/>
+          </a:stretch>
+        </p:blipFill>
+        <p:spPr>
+          <a:xfrm>
+            <a:off x="8990034" y="2108000"/>
+            <a:ext cx="2631171" cy="3169788"/>
+          </a:xfrm>
+          <a:prstGeom prst="rect">
+            <a:avLst/>
+          </a:prstGeom>
+        </p:spPr>
+      </p:pic>
     </p:spTree>
     <p:extLst>
       <p:ext uri="{BB962C8B-B14F-4D97-AF65-F5344CB8AC3E}">
@@ -7078,6 +7526,181 @@
     <p:extLst>
       <p:ext uri="{BB962C8B-B14F-4D97-AF65-F5344CB8AC3E}">
         <p14:creationId xmlns:p14="http://schemas.microsoft.com/office/powerpoint/2010/main" val="1778827976"/>
+      </p:ext>
+    </p:extLst>
+  </p:cSld>
+  <p:clrMapOvr>
+    <a:masterClrMapping/>
+  </p:clrMapOvr>
+</p:sld>
+</file>
+
+<file path=ppt/slides/slide8.xml><?xml version="1.0" encoding="utf-8"?>
+<p:sld xmlns:a="http://schemas.openxmlformats.org/drawingml/2006/main" xmlns:r="http://schemas.openxmlformats.org/officeDocument/2006/relationships" xmlns:p="http://schemas.openxmlformats.org/presentationml/2006/main">
+  <p:cSld>
+    <p:spTree>
+      <p:nvGrpSpPr>
+        <p:cNvPr id="1" name=""/>
+        <p:cNvGrpSpPr/>
+        <p:nvPr/>
+      </p:nvGrpSpPr>
+      <p:grpSpPr>
+        <a:xfrm>
+          <a:off x="0" y="0"/>
+          <a:ext cx="0" cy="0"/>
+          <a:chOff x="0" y="0"/>
+          <a:chExt cx="0" cy="0"/>
+        </a:xfrm>
+      </p:grpSpPr>
+      <p:sp>
+        <p:nvSpPr>
+          <p:cNvPr id="2" name="Title 1">
+            <a:extLst>
+              <a:ext uri="{FF2B5EF4-FFF2-40B4-BE49-F238E27FC236}">
+                <a16:creationId xmlns:a16="http://schemas.microsoft.com/office/drawing/2014/main" id="{FE36360B-CA21-4920-BBA8-6BC37BB4E7F7}"/>
+              </a:ext>
+            </a:extLst>
+          </p:cNvPr>
+          <p:cNvSpPr>
+            <a:spLocks noGrp="1"/>
+          </p:cNvSpPr>
+          <p:nvPr>
+            <p:ph type="title"/>
+          </p:nvPr>
+        </p:nvSpPr>
+        <p:spPr/>
+        <p:txBody>
+          <a:bodyPr/>
+          <a:lstStyle/>
+          <a:p>
+            <a:r>
+              <a:rPr lang="en-US" dirty="0" err="1"/>
+              <a:t>airbourne</a:t>
+            </a:r>
+            <a:r>
+              <a:rPr lang="en-US" dirty="0"/>
+              <a:t> </a:t>
+            </a:r>
+            <a:r>
+              <a:rPr lang="en-US" dirty="0" err="1"/>
+              <a:t>intorduction</a:t>
+            </a:r>
+            <a:endParaRPr lang="en-US" dirty="0"/>
+          </a:p>
+        </p:txBody>
+      </p:sp>
+      <p:sp>
+        <p:nvSpPr>
+          <p:cNvPr id="3" name="Content Placeholder 2">
+            <a:extLst>
+              <a:ext uri="{FF2B5EF4-FFF2-40B4-BE49-F238E27FC236}">
+                <a16:creationId xmlns:a16="http://schemas.microsoft.com/office/drawing/2014/main" id="{E578C5AD-8B20-46CB-87E0-4E155B05C620}"/>
+              </a:ext>
+            </a:extLst>
+          </p:cNvPr>
+          <p:cNvSpPr>
+            <a:spLocks noGrp="1"/>
+          </p:cNvSpPr>
+          <p:nvPr>
+            <p:ph sz="quarter" idx="13"/>
+          </p:nvPr>
+        </p:nvSpPr>
+        <p:spPr/>
+        <p:txBody>
+          <a:bodyPr/>
+          <a:lstStyle/>
+          <a:p>
+            <a:endParaRPr lang="en-US"/>
+          </a:p>
+        </p:txBody>
+      </p:sp>
+    </p:spTree>
+    <p:extLst>
+      <p:ext uri="{BB962C8B-B14F-4D97-AF65-F5344CB8AC3E}">
+        <p14:creationId xmlns:p14="http://schemas.microsoft.com/office/powerpoint/2010/main" val="4190935749"/>
+      </p:ext>
+    </p:extLst>
+  </p:cSld>
+  <p:clrMapOvr>
+    <a:masterClrMapping/>
+  </p:clrMapOvr>
+</p:sld>
+</file>
+
+<file path=ppt/slides/slide9.xml><?xml version="1.0" encoding="utf-8"?>
+<p:sld xmlns:a="http://schemas.openxmlformats.org/drawingml/2006/main" xmlns:r="http://schemas.openxmlformats.org/officeDocument/2006/relationships" xmlns:p="http://schemas.openxmlformats.org/presentationml/2006/main">
+  <p:cSld>
+    <p:spTree>
+      <p:nvGrpSpPr>
+        <p:cNvPr id="1" name=""/>
+        <p:cNvGrpSpPr/>
+        <p:nvPr/>
+      </p:nvGrpSpPr>
+      <p:grpSpPr>
+        <a:xfrm>
+          <a:off x="0" y="0"/>
+          <a:ext cx="0" cy="0"/>
+          <a:chOff x="0" y="0"/>
+          <a:chExt cx="0" cy="0"/>
+        </a:xfrm>
+      </p:grpSpPr>
+      <p:sp>
+        <p:nvSpPr>
+          <p:cNvPr id="2" name="Title 1">
+            <a:extLst>
+              <a:ext uri="{FF2B5EF4-FFF2-40B4-BE49-F238E27FC236}">
+                <a16:creationId xmlns:a16="http://schemas.microsoft.com/office/drawing/2014/main" id="{40DFCD8D-6703-48F2-AE04-FD44D4E98B7E}"/>
+              </a:ext>
+            </a:extLst>
+          </p:cNvPr>
+          <p:cNvSpPr>
+            <a:spLocks noGrp="1"/>
+          </p:cNvSpPr>
+          <p:nvPr>
+            <p:ph type="title"/>
+          </p:nvPr>
+        </p:nvSpPr>
+        <p:spPr/>
+        <p:txBody>
+          <a:bodyPr/>
+          <a:lstStyle/>
+          <a:p>
+            <a:r>
+              <a:rPr lang="en-US" dirty="0"/>
+              <a:t>methods</a:t>
+            </a:r>
+          </a:p>
+        </p:txBody>
+      </p:sp>
+      <p:sp>
+        <p:nvSpPr>
+          <p:cNvPr id="3" name="Content Placeholder 2">
+            <a:extLst>
+              <a:ext uri="{FF2B5EF4-FFF2-40B4-BE49-F238E27FC236}">
+                <a16:creationId xmlns:a16="http://schemas.microsoft.com/office/drawing/2014/main" id="{7B392B48-57BE-4D26-B922-58C1C7828C87}"/>
+              </a:ext>
+            </a:extLst>
+          </p:cNvPr>
+          <p:cNvSpPr>
+            <a:spLocks noGrp="1"/>
+          </p:cNvSpPr>
+          <p:nvPr>
+            <p:ph sz="quarter" idx="13"/>
+          </p:nvPr>
+        </p:nvSpPr>
+        <p:spPr/>
+        <p:txBody>
+          <a:bodyPr/>
+          <a:lstStyle/>
+          <a:p>
+            <a:endParaRPr lang="en-US"/>
+          </a:p>
+        </p:txBody>
+      </p:sp>
+    </p:spTree>
+    <p:extLst>
+      <p:ext uri="{BB962C8B-B14F-4D97-AF65-F5344CB8AC3E}">
+        <p14:creationId xmlns:p14="http://schemas.microsoft.com/office/powerpoint/2010/main" val="1897041352"/>
       </p:ext>
     </p:extLst>
   </p:cSld>

--- a/Media/Presentation (1).pptx
+++ b/Media/Presentation (1).pptx
@@ -4,6 +4,9 @@
   <p:sldMasterIdLst>
     <p:sldMasterId id="2147483680" r:id="rId1"/>
   </p:sldMasterIdLst>
+  <p:notesMasterIdLst>
+    <p:notesMasterId r:id="rId17"/>
+  </p:notesMasterIdLst>
   <p:sldIdLst>
     <p:sldId id="256" r:id="rId2"/>
     <p:sldId id="257" r:id="rId3"/>
@@ -14,10 +17,12 @@
     <p:sldId id="263" r:id="rId8"/>
     <p:sldId id="264" r:id="rId9"/>
     <p:sldId id="265" r:id="rId10"/>
-    <p:sldId id="266" r:id="rId11"/>
-    <p:sldId id="267" r:id="rId12"/>
-    <p:sldId id="268" r:id="rId13"/>
-    <p:sldId id="269" r:id="rId14"/>
+    <p:sldId id="270" r:id="rId11"/>
+    <p:sldId id="271" r:id="rId12"/>
+    <p:sldId id="266" r:id="rId13"/>
+    <p:sldId id="267" r:id="rId14"/>
+    <p:sldId id="268" r:id="rId15"/>
+    <p:sldId id="269" r:id="rId16"/>
   </p:sldIdLst>
   <p:sldSz cx="12192000" cy="6858000"/>
   <p:notesSz cx="6858000" cy="9144000"/>
@@ -119,6 +124,439 @@
 </p:presentation>
 </file>
 
+<file path=ppt/notesMasters/notesMaster1.xml><?xml version="1.0" encoding="utf-8"?>
+<p:notesMaster xmlns:a="http://schemas.openxmlformats.org/drawingml/2006/main" xmlns:r="http://schemas.openxmlformats.org/officeDocument/2006/relationships" xmlns:p="http://schemas.openxmlformats.org/presentationml/2006/main">
+  <p:cSld>
+    <p:bg>
+      <p:bgRef idx="1001">
+        <a:schemeClr val="bg1"/>
+      </p:bgRef>
+    </p:bg>
+    <p:spTree>
+      <p:nvGrpSpPr>
+        <p:cNvPr id="1" name=""/>
+        <p:cNvGrpSpPr/>
+        <p:nvPr/>
+      </p:nvGrpSpPr>
+      <p:grpSpPr>
+        <a:xfrm>
+          <a:off x="0" y="0"/>
+          <a:ext cx="0" cy="0"/>
+          <a:chOff x="0" y="0"/>
+          <a:chExt cx="0" cy="0"/>
+        </a:xfrm>
+      </p:grpSpPr>
+      <p:sp>
+        <p:nvSpPr>
+          <p:cNvPr id="2" name="Header Placeholder 1"/>
+          <p:cNvSpPr>
+            <a:spLocks noGrp="1"/>
+          </p:cNvSpPr>
+          <p:nvPr>
+            <p:ph type="hdr" sz="quarter"/>
+          </p:nvPr>
+        </p:nvSpPr>
+        <p:spPr>
+          <a:xfrm>
+            <a:off x="0" y="0"/>
+            <a:ext cx="2971800" cy="458788"/>
+          </a:xfrm>
+          <a:prstGeom prst="rect">
+            <a:avLst/>
+          </a:prstGeom>
+        </p:spPr>
+        <p:txBody>
+          <a:bodyPr vert="horz" lIns="91440" tIns="45720" rIns="91440" bIns="45720" rtlCol="0"/>
+          <a:lstStyle>
+            <a:lvl1pPr algn="l">
+              <a:defRPr sz="1200"/>
+            </a:lvl1pPr>
+          </a:lstStyle>
+          <a:p>
+            <a:endParaRPr lang="en-US"/>
+          </a:p>
+        </p:txBody>
+      </p:sp>
+      <p:sp>
+        <p:nvSpPr>
+          <p:cNvPr id="3" name="Date Placeholder 2"/>
+          <p:cNvSpPr>
+            <a:spLocks noGrp="1"/>
+          </p:cNvSpPr>
+          <p:nvPr>
+            <p:ph type="dt" idx="1"/>
+          </p:nvPr>
+        </p:nvSpPr>
+        <p:spPr>
+          <a:xfrm>
+            <a:off x="3884613" y="0"/>
+            <a:ext cx="2971800" cy="458788"/>
+          </a:xfrm>
+          <a:prstGeom prst="rect">
+            <a:avLst/>
+          </a:prstGeom>
+        </p:spPr>
+        <p:txBody>
+          <a:bodyPr vert="horz" lIns="91440" tIns="45720" rIns="91440" bIns="45720" rtlCol="0"/>
+          <a:lstStyle>
+            <a:lvl1pPr algn="r">
+              <a:defRPr sz="1200"/>
+            </a:lvl1pPr>
+          </a:lstStyle>
+          <a:p>
+            <a:fld id="{93FFD14A-4785-43BF-957C-FD3A9339A49C}" type="datetimeFigureOut">
+              <a:rPr lang="en-US" smtClean="0"/>
+              <a:t>4/30/2022</a:t>
+            </a:fld>
+            <a:endParaRPr lang="en-US"/>
+          </a:p>
+        </p:txBody>
+      </p:sp>
+      <p:sp>
+        <p:nvSpPr>
+          <p:cNvPr id="4" name="Slide Image Placeholder 3"/>
+          <p:cNvSpPr>
+            <a:spLocks noGrp="1" noRot="1" noChangeAspect="1"/>
+          </p:cNvSpPr>
+          <p:nvPr>
+            <p:ph type="sldImg" idx="2"/>
+          </p:nvPr>
+        </p:nvSpPr>
+        <p:spPr>
+          <a:xfrm>
+            <a:off x="685800" y="1143000"/>
+            <a:ext cx="5486400" cy="3086100"/>
+          </a:xfrm>
+          <a:prstGeom prst="rect">
+            <a:avLst/>
+          </a:prstGeom>
+          <a:noFill/>
+          <a:ln w="12700">
+            <a:solidFill>
+              <a:prstClr val="black"/>
+            </a:solidFill>
+          </a:ln>
+        </p:spPr>
+        <p:txBody>
+          <a:bodyPr vert="horz" lIns="91440" tIns="45720" rIns="91440" bIns="45720" rtlCol="0" anchor="ctr"/>
+          <a:lstStyle/>
+          <a:p>
+            <a:endParaRPr lang="en-US"/>
+          </a:p>
+        </p:txBody>
+      </p:sp>
+      <p:sp>
+        <p:nvSpPr>
+          <p:cNvPr id="5" name="Notes Placeholder 4"/>
+          <p:cNvSpPr>
+            <a:spLocks noGrp="1"/>
+          </p:cNvSpPr>
+          <p:nvPr>
+            <p:ph type="body" sz="quarter" idx="3"/>
+          </p:nvPr>
+        </p:nvSpPr>
+        <p:spPr>
+          <a:xfrm>
+            <a:off x="685800" y="4400550"/>
+            <a:ext cx="5486400" cy="3600450"/>
+          </a:xfrm>
+          <a:prstGeom prst="rect">
+            <a:avLst/>
+          </a:prstGeom>
+        </p:spPr>
+        <p:txBody>
+          <a:bodyPr vert="horz" lIns="91440" tIns="45720" rIns="91440" bIns="45720" rtlCol="0"/>
+          <a:lstStyle/>
+          <a:p>
+            <a:pPr lvl="0"/>
+            <a:r>
+              <a:rPr lang="en-US"/>
+              <a:t>Click to edit Master text styles</a:t>
+            </a:r>
+          </a:p>
+          <a:p>
+            <a:pPr lvl="1"/>
+            <a:r>
+              <a:rPr lang="en-US"/>
+              <a:t>Second level</a:t>
+            </a:r>
+          </a:p>
+          <a:p>
+            <a:pPr lvl="2"/>
+            <a:r>
+              <a:rPr lang="en-US"/>
+              <a:t>Third level</a:t>
+            </a:r>
+          </a:p>
+          <a:p>
+            <a:pPr lvl="3"/>
+            <a:r>
+              <a:rPr lang="en-US"/>
+              <a:t>Fourth level</a:t>
+            </a:r>
+          </a:p>
+          <a:p>
+            <a:pPr lvl="4"/>
+            <a:r>
+              <a:rPr lang="en-US"/>
+              <a:t>Fifth level</a:t>
+            </a:r>
+          </a:p>
+        </p:txBody>
+      </p:sp>
+      <p:sp>
+        <p:nvSpPr>
+          <p:cNvPr id="6" name="Footer Placeholder 5"/>
+          <p:cNvSpPr>
+            <a:spLocks noGrp="1"/>
+          </p:cNvSpPr>
+          <p:nvPr>
+            <p:ph type="ftr" sz="quarter" idx="4"/>
+          </p:nvPr>
+        </p:nvSpPr>
+        <p:spPr>
+          <a:xfrm>
+            <a:off x="0" y="8685213"/>
+            <a:ext cx="2971800" cy="458787"/>
+          </a:xfrm>
+          <a:prstGeom prst="rect">
+            <a:avLst/>
+          </a:prstGeom>
+        </p:spPr>
+        <p:txBody>
+          <a:bodyPr vert="horz" lIns="91440" tIns="45720" rIns="91440" bIns="45720" rtlCol="0" anchor="b"/>
+          <a:lstStyle>
+            <a:lvl1pPr algn="l">
+              <a:defRPr sz="1200"/>
+            </a:lvl1pPr>
+          </a:lstStyle>
+          <a:p>
+            <a:endParaRPr lang="en-US"/>
+          </a:p>
+        </p:txBody>
+      </p:sp>
+      <p:sp>
+        <p:nvSpPr>
+          <p:cNvPr id="7" name="Slide Number Placeholder 6"/>
+          <p:cNvSpPr>
+            <a:spLocks noGrp="1"/>
+          </p:cNvSpPr>
+          <p:nvPr>
+            <p:ph type="sldNum" sz="quarter" idx="5"/>
+          </p:nvPr>
+        </p:nvSpPr>
+        <p:spPr>
+          <a:xfrm>
+            <a:off x="3884613" y="8685213"/>
+            <a:ext cx="2971800" cy="458787"/>
+          </a:xfrm>
+          <a:prstGeom prst="rect">
+            <a:avLst/>
+          </a:prstGeom>
+        </p:spPr>
+        <p:txBody>
+          <a:bodyPr vert="horz" lIns="91440" tIns="45720" rIns="91440" bIns="45720" rtlCol="0" anchor="b"/>
+          <a:lstStyle>
+            <a:lvl1pPr algn="r">
+              <a:defRPr sz="1200"/>
+            </a:lvl1pPr>
+          </a:lstStyle>
+          <a:p>
+            <a:fld id="{813C5728-4CCA-4ABC-A9C9-2989367E3F21}" type="slidenum">
+              <a:rPr lang="en-US" smtClean="0"/>
+              <a:t>‹#›</a:t>
+            </a:fld>
+            <a:endParaRPr lang="en-US"/>
+          </a:p>
+        </p:txBody>
+      </p:sp>
+    </p:spTree>
+    <p:extLst>
+      <p:ext uri="{BB962C8B-B14F-4D97-AF65-F5344CB8AC3E}">
+        <p14:creationId xmlns:p14="http://schemas.microsoft.com/office/powerpoint/2010/main" val="623965894"/>
+      </p:ext>
+    </p:extLst>
+  </p:cSld>
+  <p:clrMap bg1="lt1" tx1="dk1" bg2="lt2" tx2="dk2" accent1="accent1" accent2="accent2" accent3="accent3" accent4="accent4" accent5="accent5" accent6="accent6" hlink="hlink" folHlink="folHlink"/>
+  <p:notesStyle>
+    <a:lvl1pPr marL="0" algn="l" defTabSz="914400" rtl="0" eaLnBrk="1" latinLnBrk="0" hangingPunct="1">
+      <a:defRPr sz="1200" kern="1200">
+        <a:solidFill>
+          <a:schemeClr val="tx1"/>
+        </a:solidFill>
+        <a:latin typeface="+mn-lt"/>
+        <a:ea typeface="+mn-ea"/>
+        <a:cs typeface="+mn-cs"/>
+      </a:defRPr>
+    </a:lvl1pPr>
+    <a:lvl2pPr marL="457200" algn="l" defTabSz="914400" rtl="0" eaLnBrk="1" latinLnBrk="0" hangingPunct="1">
+      <a:defRPr sz="1200" kern="1200">
+        <a:solidFill>
+          <a:schemeClr val="tx1"/>
+        </a:solidFill>
+        <a:latin typeface="+mn-lt"/>
+        <a:ea typeface="+mn-ea"/>
+        <a:cs typeface="+mn-cs"/>
+      </a:defRPr>
+    </a:lvl2pPr>
+    <a:lvl3pPr marL="914400" algn="l" defTabSz="914400" rtl="0" eaLnBrk="1" latinLnBrk="0" hangingPunct="1">
+      <a:defRPr sz="1200" kern="1200">
+        <a:solidFill>
+          <a:schemeClr val="tx1"/>
+        </a:solidFill>
+        <a:latin typeface="+mn-lt"/>
+        <a:ea typeface="+mn-ea"/>
+        <a:cs typeface="+mn-cs"/>
+      </a:defRPr>
+    </a:lvl3pPr>
+    <a:lvl4pPr marL="1371600" algn="l" defTabSz="914400" rtl="0" eaLnBrk="1" latinLnBrk="0" hangingPunct="1">
+      <a:defRPr sz="1200" kern="1200">
+        <a:solidFill>
+          <a:schemeClr val="tx1"/>
+        </a:solidFill>
+        <a:latin typeface="+mn-lt"/>
+        <a:ea typeface="+mn-ea"/>
+        <a:cs typeface="+mn-cs"/>
+      </a:defRPr>
+    </a:lvl4pPr>
+    <a:lvl5pPr marL="1828800" algn="l" defTabSz="914400" rtl="0" eaLnBrk="1" latinLnBrk="0" hangingPunct="1">
+      <a:defRPr sz="1200" kern="1200">
+        <a:solidFill>
+          <a:schemeClr val="tx1"/>
+        </a:solidFill>
+        <a:latin typeface="+mn-lt"/>
+        <a:ea typeface="+mn-ea"/>
+        <a:cs typeface="+mn-cs"/>
+      </a:defRPr>
+    </a:lvl5pPr>
+    <a:lvl6pPr marL="2286000" algn="l" defTabSz="914400" rtl="0" eaLnBrk="1" latinLnBrk="0" hangingPunct="1">
+      <a:defRPr sz="1200" kern="1200">
+        <a:solidFill>
+          <a:schemeClr val="tx1"/>
+        </a:solidFill>
+        <a:latin typeface="+mn-lt"/>
+        <a:ea typeface="+mn-ea"/>
+        <a:cs typeface="+mn-cs"/>
+      </a:defRPr>
+    </a:lvl6pPr>
+    <a:lvl7pPr marL="2743200" algn="l" defTabSz="914400" rtl="0" eaLnBrk="1" latinLnBrk="0" hangingPunct="1">
+      <a:defRPr sz="1200" kern="1200">
+        <a:solidFill>
+          <a:schemeClr val="tx1"/>
+        </a:solidFill>
+        <a:latin typeface="+mn-lt"/>
+        <a:ea typeface="+mn-ea"/>
+        <a:cs typeface="+mn-cs"/>
+      </a:defRPr>
+    </a:lvl7pPr>
+    <a:lvl8pPr marL="3200400" algn="l" defTabSz="914400" rtl="0" eaLnBrk="1" latinLnBrk="0" hangingPunct="1">
+      <a:defRPr sz="1200" kern="1200">
+        <a:solidFill>
+          <a:schemeClr val="tx1"/>
+        </a:solidFill>
+        <a:latin typeface="+mn-lt"/>
+        <a:ea typeface="+mn-ea"/>
+        <a:cs typeface="+mn-cs"/>
+      </a:defRPr>
+    </a:lvl8pPr>
+    <a:lvl9pPr marL="3657600" algn="l" defTabSz="914400" rtl="0" eaLnBrk="1" latinLnBrk="0" hangingPunct="1">
+      <a:defRPr sz="1200" kern="1200">
+        <a:solidFill>
+          <a:schemeClr val="tx1"/>
+        </a:solidFill>
+        <a:latin typeface="+mn-lt"/>
+        <a:ea typeface="+mn-ea"/>
+        <a:cs typeface="+mn-cs"/>
+      </a:defRPr>
+    </a:lvl9pPr>
+  </p:notesStyle>
+</p:notesMaster>
+</file>
+
+<file path=ppt/notesSlides/notesSlide1.xml><?xml version="1.0" encoding="utf-8"?>
+<p:notes xmlns:a="http://schemas.openxmlformats.org/drawingml/2006/main" xmlns:r="http://schemas.openxmlformats.org/officeDocument/2006/relationships" xmlns:p="http://schemas.openxmlformats.org/presentationml/2006/main">
+  <p:cSld>
+    <p:spTree>
+      <p:nvGrpSpPr>
+        <p:cNvPr id="1" name=""/>
+        <p:cNvGrpSpPr/>
+        <p:nvPr/>
+      </p:nvGrpSpPr>
+      <p:grpSpPr>
+        <a:xfrm>
+          <a:off x="0" y="0"/>
+          <a:ext cx="0" cy="0"/>
+          <a:chOff x="0" y="0"/>
+          <a:chExt cx="0" cy="0"/>
+        </a:xfrm>
+      </p:grpSpPr>
+      <p:sp>
+        <p:nvSpPr>
+          <p:cNvPr id="2" name="Slide Image Placeholder 1"/>
+          <p:cNvSpPr>
+            <a:spLocks noGrp="1" noRot="1" noChangeAspect="1"/>
+          </p:cNvSpPr>
+          <p:nvPr>
+            <p:ph type="sldImg"/>
+          </p:nvPr>
+        </p:nvSpPr>
+        <p:spPr/>
+      </p:sp>
+      <p:sp>
+        <p:nvSpPr>
+          <p:cNvPr id="3" name="Notes Placeholder 2"/>
+          <p:cNvSpPr>
+            <a:spLocks noGrp="1"/>
+          </p:cNvSpPr>
+          <p:nvPr>
+            <p:ph type="body" idx="1"/>
+          </p:nvPr>
+        </p:nvSpPr>
+        <p:spPr/>
+        <p:txBody>
+          <a:bodyPr/>
+          <a:lstStyle/>
+          <a:p>
+            <a:endParaRPr lang="en-US" dirty="0"/>
+          </a:p>
+        </p:txBody>
+      </p:sp>
+      <p:sp>
+        <p:nvSpPr>
+          <p:cNvPr id="4" name="Slide Number Placeholder 3"/>
+          <p:cNvSpPr>
+            <a:spLocks noGrp="1"/>
+          </p:cNvSpPr>
+          <p:nvPr>
+            <p:ph type="sldNum" sz="quarter" idx="5"/>
+          </p:nvPr>
+        </p:nvSpPr>
+        <p:spPr/>
+        <p:txBody>
+          <a:bodyPr/>
+          <a:lstStyle/>
+          <a:p>
+            <a:fld id="{813C5728-4CCA-4ABC-A9C9-2989367E3F21}" type="slidenum">
+              <a:rPr lang="en-US" smtClean="0"/>
+              <a:t>9</a:t>
+            </a:fld>
+            <a:endParaRPr lang="en-US"/>
+          </a:p>
+        </p:txBody>
+      </p:sp>
+    </p:spTree>
+    <p:extLst>
+      <p:ext uri="{BB962C8B-B14F-4D97-AF65-F5344CB8AC3E}">
+        <p14:creationId xmlns:p14="http://schemas.microsoft.com/office/powerpoint/2010/main" val="1389918689"/>
+      </p:ext>
+    </p:extLst>
+  </p:cSld>
+  <p:clrMapOvr>
+    <a:masterClrMapping/>
+  </p:clrMapOvr>
+</p:notes>
+</file>
+
 <file path=ppt/slideLayouts/slideLayout1.xml><?xml version="1.0" encoding="utf-8"?>
 <p:sldLayout xmlns:a="http://schemas.openxmlformats.org/drawingml/2006/main" xmlns:r="http://schemas.openxmlformats.org/officeDocument/2006/relationships" xmlns:p="http://schemas.openxmlformats.org/presentationml/2006/main" showMasterSp="0" type="title" preserve="1">
   <p:cSld name="Title Slide">
@@ -572,7 +1010,7 @@
           <a:p>
             <a:fld id="{F7AFFB9B-9FB8-469E-96F9-4D32314110B6}" type="datetimeFigureOut">
               <a:rPr lang="en-US" dirty="0"/>
-              <a:t>4/27/2022</a:t>
+              <a:t>4/30/2022</a:t>
             </a:fld>
             <a:endParaRPr lang="en-US" dirty="0"/>
           </a:p>
@@ -905,7 +1343,7 @@
           <a:p>
             <a:fld id="{341D2AC3-6A0B-4169-B1EA-E3AE8B351BDD}" type="datetimeFigureOut">
               <a:rPr lang="en-US" dirty="0"/>
-              <a:t>4/27/2022</a:t>
+              <a:t>4/30/2022</a:t>
             </a:fld>
             <a:endParaRPr lang="en-US" dirty="0"/>
           </a:p>
@@ -1101,7 +1539,7 @@
           <a:p>
             <a:fld id="{DD4B9363-8B87-41B7-9F8E-64519CBB8F34}" type="datetimeFigureOut">
               <a:rPr lang="en-US" dirty="0"/>
-              <a:t>4/27/2022</a:t>
+              <a:t>4/30/2022</a:t>
             </a:fld>
             <a:endParaRPr lang="en-US" dirty="0"/>
           </a:p>
@@ -1371,7 +1809,7 @@
           <a:p>
             <a:fld id="{EAEF5746-5284-4951-9F37-7AE924EDBCB7}" type="datetimeFigureOut">
               <a:rPr lang="en-US" dirty="0"/>
-              <a:t>4/27/2022</a:t>
+              <a:t>4/30/2022</a:t>
             </a:fld>
             <a:endParaRPr lang="en-US" dirty="0"/>
           </a:p>
@@ -1799,7 +2237,7 @@
           <a:p>
             <a:fld id="{02398B29-7265-4A65-A2A4-6703C057B7C1}" type="datetimeFigureOut">
               <a:rPr lang="en-US" dirty="0"/>
-              <a:t>4/27/2022</a:t>
+              <a:t>4/30/2022</a:t>
             </a:fld>
             <a:endParaRPr lang="en-US" dirty="0"/>
           </a:p>
@@ -2349,7 +2787,7 @@
           <a:p>
             <a:fld id="{28FBA082-94DF-4C4B-A041-6624924AB0A8}" type="datetimeFigureOut">
               <a:rPr lang="en-US" dirty="0"/>
-              <a:t>4/27/2022</a:t>
+              <a:t>4/30/2022</a:t>
             </a:fld>
             <a:endParaRPr lang="en-US" dirty="0"/>
           </a:p>
@@ -3139,7 +3577,7 @@
           <a:p>
             <a:fld id="{B27686C4-3AB5-4E0C-86CA-FB108C350AA9}" type="datetimeFigureOut">
               <a:rPr lang="en-US" dirty="0"/>
-              <a:t>4/27/2022</a:t>
+              <a:t>4/30/2022</a:t>
             </a:fld>
             <a:endParaRPr lang="en-US" dirty="0"/>
           </a:p>
@@ -3318,7 +3756,7 @@
           <a:p>
             <a:fld id="{49FF1211-4E0C-4AB3-B04F-585959BDAFE8}" type="datetimeFigureOut">
               <a:rPr lang="en-US" dirty="0"/>
-              <a:t>4/27/2022</a:t>
+              <a:t>4/30/2022</a:t>
             </a:fld>
             <a:endParaRPr lang="en-US" dirty="0"/>
           </a:p>
@@ -3502,7 +3940,7 @@
           <a:p>
             <a:fld id="{28BDECAF-D3BE-4069-9C78-642ECCD01477}" type="datetimeFigureOut">
               <a:rPr lang="en-US" dirty="0"/>
-              <a:t>4/27/2022</a:t>
+              <a:t>4/30/2022</a:t>
             </a:fld>
             <a:endParaRPr lang="en-US" dirty="0"/>
           </a:p>
@@ -3677,7 +4115,7 @@
           <a:p>
             <a:fld id="{8EFBDC27-E420-4878-9EE6-7B9656D6442A}" type="datetimeFigureOut">
               <a:rPr lang="en-US" dirty="0"/>
-              <a:t>4/27/2022</a:t>
+              <a:t>4/30/2022</a:t>
             </a:fld>
             <a:endParaRPr lang="en-US" dirty="0"/>
           </a:p>
@@ -3927,7 +4365,7 @@
           <a:p>
             <a:fld id="{0F7F47CF-67C9-420C-80A5-E2069FF0C2DF}" type="datetimeFigureOut">
               <a:rPr lang="en-US" dirty="0"/>
-              <a:t>4/27/2022</a:t>
+              <a:t>4/30/2022</a:t>
             </a:fld>
             <a:endParaRPr lang="en-US" dirty="0"/>
           </a:p>
@@ -4164,7 +4602,7 @@
           <a:p>
             <a:fld id="{AE22DC73-F065-42F5-A9F2-D90B2E42A0B3}" type="datetimeFigureOut">
               <a:rPr lang="en-US" dirty="0"/>
-              <a:t>4/27/2022</a:t>
+              <a:t>4/30/2022</a:t>
             </a:fld>
             <a:endParaRPr lang="en-US" dirty="0"/>
           </a:p>
@@ -4549,7 +4987,7 @@
           <a:p>
             <a:fld id="{76BEA702-9B29-41CC-9BCC-3DF8A0D379FE}" type="datetimeFigureOut">
               <a:rPr lang="en-US" dirty="0"/>
-              <a:t>4/27/2022</a:t>
+              <a:t>4/30/2022</a:t>
             </a:fld>
             <a:endParaRPr lang="en-US" dirty="0"/>
           </a:p>
@@ -4667,7 +5105,7 @@
           <a:p>
             <a:fld id="{097649AC-CB8F-4FF1-9A34-5861C74DD0A7}" type="datetimeFigureOut">
               <a:rPr lang="en-US" dirty="0"/>
-              <a:t>4/27/2022</a:t>
+              <a:t>4/30/2022</a:t>
             </a:fld>
             <a:endParaRPr lang="en-US" dirty="0"/>
           </a:p>
@@ -4762,7 +5200,7 @@
           <a:p>
             <a:fld id="{3EC5CECA-2D3A-4680-9B49-752200DE467C}" type="datetimeFigureOut">
               <a:rPr lang="en-US" dirty="0"/>
-              <a:t>4/27/2022</a:t>
+              <a:t>4/30/2022</a:t>
             </a:fld>
             <a:endParaRPr lang="en-US" dirty="0"/>
           </a:p>
@@ -5015,7 +5453,7 @@
           <a:p>
             <a:fld id="{50C3BFE2-83B7-4B0A-B9D3-AB28331082B3}" type="datetimeFigureOut">
               <a:rPr lang="en-US" dirty="0"/>
-              <a:t>4/27/2022</a:t>
+              <a:t>4/30/2022</a:t>
             </a:fld>
             <a:endParaRPr lang="en-US" dirty="0"/>
           </a:p>
@@ -5284,7 +5722,7 @@
           <a:p>
             <a:fld id="{12EF78E3-FDA3-4D28-AAA2-0B81F349A39D}" type="datetimeFigureOut">
               <a:rPr lang="en-US" dirty="0"/>
-              <a:t>4/27/2022</a:t>
+              <a:t>4/30/2022</a:t>
             </a:fld>
             <a:endParaRPr lang="en-US" dirty="0"/>
           </a:p>
@@ -5687,7 +6125,7 @@
           <a:p>
             <a:fld id="{C35BB1C6-BF8F-4481-8AB2-603A1C8A906A}" type="datetimeFigureOut">
               <a:rPr lang="en-US" dirty="0"/>
-              <a:t>4/27/2022</a:t>
+              <a:t>4/30/2022</a:t>
             </a:fld>
             <a:endParaRPr lang="en-US" dirty="0"/>
           </a:p>
@@ -6318,7 +6756,7 @@
           <p:cNvPr id="2" name="Title 1">
             <a:extLst>
               <a:ext uri="{FF2B5EF4-FFF2-40B4-BE49-F238E27FC236}">
-                <a16:creationId xmlns:a16="http://schemas.microsoft.com/office/drawing/2014/main" id="{0456BC63-8286-4450-B80D-55C6165D15EB}"/>
+                <a16:creationId xmlns:a16="http://schemas.microsoft.com/office/drawing/2014/main" id="{67FEEBF0-ADF9-4D0D-8E32-A30659CA4A68}"/>
               </a:ext>
             </a:extLst>
           </p:cNvPr>
@@ -6335,8 +6773,10 @@
           <a:lstStyle/>
           <a:p>
             <a:r>
-              <a:rPr lang="en-US" dirty="0"/>
-              <a:t>results</a:t>
+              <a:rPr lang="en-US" b="1" dirty="0">
+                <a:latin typeface="Gabriola" pitchFamily="82" charset="0"/>
+              </a:rPr>
+              <a:t>Methods (cont.)</a:t>
             </a:r>
           </a:p>
         </p:txBody>
@@ -6346,7 +6786,7 @@
           <p:cNvPr id="3" name="Content Placeholder 2">
             <a:extLst>
               <a:ext uri="{FF2B5EF4-FFF2-40B4-BE49-F238E27FC236}">
-                <a16:creationId xmlns:a16="http://schemas.microsoft.com/office/drawing/2014/main" id="{B3601343-C245-4CDA-9439-9EF5A2FCEEDA}"/>
+                <a16:creationId xmlns:a16="http://schemas.microsoft.com/office/drawing/2014/main" id="{BA6459FC-EAAB-4184-B362-ACDC1D635896}"/>
               </a:ext>
             </a:extLst>
           </p:cNvPr>
@@ -6362,14 +6802,48 @@
           <a:bodyPr/>
           <a:lstStyle/>
           <a:p>
-            <a:endParaRPr lang="en-US"/>
+            <a:r>
+              <a:rPr lang="en-US" dirty="0">
+                <a:latin typeface="Gabriola" pitchFamily="82" charset="0"/>
+              </a:rPr>
+              <a:t>Tableau</a:t>
+            </a:r>
+          </a:p>
+          <a:p>
+            <a:pPr lvl="1"/>
+            <a:r>
+              <a:rPr lang="en-US" dirty="0">
+                <a:latin typeface="Gabriola" pitchFamily="82" charset="0"/>
+              </a:rPr>
+              <a:t>Imported data from multiple data sources and tried to merge data</a:t>
+            </a:r>
+          </a:p>
+          <a:p>
+            <a:pPr lvl="1"/>
+            <a:r>
+              <a:rPr lang="en-US" dirty="0">
+                <a:latin typeface="Gabriola" pitchFamily="82" charset="0"/>
+              </a:rPr>
+              <a:t>Graphed data </a:t>
+            </a:r>
+          </a:p>
+          <a:p>
+            <a:pPr marL="457200" lvl="1" indent="0">
+              <a:buNone/>
+            </a:pPr>
+            <a:r>
+              <a:rPr lang="en-US" dirty="0">
+                <a:latin typeface="Gabriola" pitchFamily="82" charset="0"/>
+              </a:rPr>
+              <a:t> </a:t>
+            </a:r>
           </a:p>
         </p:txBody>
       </p:sp>
     </p:spTree>
     <p:extLst>
       <p:ext uri="{BB962C8B-B14F-4D97-AF65-F5344CB8AC3E}">
-        <p14:creationId xmlns:p14="http://schemas.microsoft.com/office/powerpoint/2010/main" val="3316085294"/>
+        <p14:creationId xmlns:p14="http://schemas.microsoft.com/office/powerpoint/2010/main" val="867679593"/>
       </p:ext>
     </p:extLst>
   </p:cSld>
@@ -6401,7 +6875,7 @@
           <p:cNvPr id="2" name="Title 1">
             <a:extLst>
               <a:ext uri="{FF2B5EF4-FFF2-40B4-BE49-F238E27FC236}">
-                <a16:creationId xmlns:a16="http://schemas.microsoft.com/office/drawing/2014/main" id="{F97A27D6-1892-4314-95BC-B25D7022088E}"/>
+                <a16:creationId xmlns:a16="http://schemas.microsoft.com/office/drawing/2014/main" id="{3191070D-3C45-43B9-A9A6-4627B15E5746}"/>
               </a:ext>
             </a:extLst>
           </p:cNvPr>
@@ -6418,8 +6892,20 @@
           <a:lstStyle/>
           <a:p>
             <a:r>
+              <a:rPr lang="en-US" b="1" dirty="0">
+                <a:latin typeface="Gabriola" pitchFamily="82" charset="0"/>
+              </a:rPr>
+              <a:t>Methods</a:t>
+            </a:r>
+            <a:r>
               <a:rPr lang="en-US" dirty="0"/>
-              <a:t>summary</a:t>
+              <a:t> </a:t>
+            </a:r>
+            <a:r>
+              <a:rPr lang="en-US" b="1" dirty="0">
+                <a:latin typeface="Gabriola" pitchFamily="82" charset="0"/>
+              </a:rPr>
+              <a:t>(cont.)</a:t>
             </a:r>
           </a:p>
         </p:txBody>
@@ -6429,7 +6915,7 @@
           <p:cNvPr id="3" name="Content Placeholder 2">
             <a:extLst>
               <a:ext uri="{FF2B5EF4-FFF2-40B4-BE49-F238E27FC236}">
-                <a16:creationId xmlns:a16="http://schemas.microsoft.com/office/drawing/2014/main" id="{C33BE7B4-0F66-4384-A446-77A811657B6D}"/>
+                <a16:creationId xmlns:a16="http://schemas.microsoft.com/office/drawing/2014/main" id="{32B4DF74-A4AE-4740-9E41-6D6689443455}"/>
               </a:ext>
             </a:extLst>
           </p:cNvPr>
@@ -6445,14 +6931,43 @@
           <a:bodyPr/>
           <a:lstStyle/>
           <a:p>
-            <a:endParaRPr lang="en-US"/>
+            <a:r>
+              <a:rPr lang="en-US" dirty="0">
+                <a:latin typeface="Gabriola" pitchFamily="82" charset="0"/>
+              </a:rPr>
+              <a:t>Survey monkey</a:t>
+            </a:r>
+          </a:p>
+          <a:p>
+            <a:pPr lvl="1"/>
+            <a:r>
+              <a:rPr lang="en-US" dirty="0">
+                <a:latin typeface="Gabriola" pitchFamily="82" charset="0"/>
+              </a:rPr>
+              <a:t>SAMPLE SIZE: 40</a:t>
+            </a:r>
+          </a:p>
+          <a:p>
+            <a:pPr lvl="1"/>
+            <a:r>
+              <a:rPr lang="en-US" dirty="0">
+                <a:latin typeface="Gabriola" pitchFamily="82" charset="0"/>
+              </a:rPr>
+              <a:t>GATHERED DATA FROM FRIENDS AND COLLEGUES IN REGGARDS TO THEIR TRAVEL HABITS AND FUTURE PLANS</a:t>
+            </a:r>
+          </a:p>
+          <a:p>
+            <a:pPr lvl="1"/>
+            <a:endParaRPr lang="en-US" dirty="0">
+              <a:latin typeface="Gabriola" pitchFamily="82" charset="0"/>
+            </a:endParaRPr>
           </a:p>
         </p:txBody>
       </p:sp>
     </p:spTree>
     <p:extLst>
       <p:ext uri="{BB962C8B-B14F-4D97-AF65-F5344CB8AC3E}">
-        <p14:creationId xmlns:p14="http://schemas.microsoft.com/office/powerpoint/2010/main" val="634061413"/>
+        <p14:creationId xmlns:p14="http://schemas.microsoft.com/office/powerpoint/2010/main" val="3714403602"/>
       </p:ext>
     </p:extLst>
   </p:cSld>
@@ -6484,7 +6999,7 @@
           <p:cNvPr id="2" name="Title 1">
             <a:extLst>
               <a:ext uri="{FF2B5EF4-FFF2-40B4-BE49-F238E27FC236}">
-                <a16:creationId xmlns:a16="http://schemas.microsoft.com/office/drawing/2014/main" id="{9C3FDE61-42F1-470D-B2E6-62D013A232D2}"/>
+                <a16:creationId xmlns:a16="http://schemas.microsoft.com/office/drawing/2014/main" id="{0456BC63-8286-4450-B80D-55C6165D15EB}"/>
               </a:ext>
             </a:extLst>
           </p:cNvPr>
@@ -6501,8 +7016,10 @@
           <a:lstStyle/>
           <a:p>
             <a:r>
-              <a:rPr lang="en-US" dirty="0"/>
-              <a:t>conclusion</a:t>
+              <a:rPr lang="en-US" b="1" dirty="0">
+                <a:latin typeface="Gabriola" pitchFamily="82" charset="0"/>
+              </a:rPr>
+              <a:t>RESULTS</a:t>
             </a:r>
           </a:p>
         </p:txBody>
@@ -6512,7 +7029,7 @@
           <p:cNvPr id="3" name="Content Placeholder 2">
             <a:extLst>
               <a:ext uri="{FF2B5EF4-FFF2-40B4-BE49-F238E27FC236}">
-                <a16:creationId xmlns:a16="http://schemas.microsoft.com/office/drawing/2014/main" id="{8487D5FA-9C5B-470E-9F7A-6A1936A4DF2E}"/>
+                <a16:creationId xmlns:a16="http://schemas.microsoft.com/office/drawing/2014/main" id="{B3601343-C245-4CDA-9439-9EF5A2FCEEDA}"/>
               </a:ext>
             </a:extLst>
           </p:cNvPr>
@@ -6520,7 +7037,137 @@
             <a:spLocks noGrp="1"/>
           </p:cNvSpPr>
           <p:nvPr>
-            <p:ph sz="quarter" idx="13"/>
+            <p:ph type="body" idx="1"/>
+          </p:nvPr>
+        </p:nvSpPr>
+        <p:spPr/>
+        <p:txBody>
+          <a:bodyPr/>
+          <a:lstStyle/>
+          <a:p>
+            <a:r>
+              <a:rPr lang="en-US" b="1" dirty="0">
+                <a:latin typeface="Gabriola" pitchFamily="82" charset="0"/>
+              </a:rPr>
+              <a:t>INFOGRAPHIC</a:t>
+            </a:r>
+          </a:p>
+        </p:txBody>
+      </p:sp>
+      <p:sp>
+        <p:nvSpPr>
+          <p:cNvPr id="6" name="Text Placeholder 5">
+            <a:extLst>
+              <a:ext uri="{FF2B5EF4-FFF2-40B4-BE49-F238E27FC236}">
+                <a16:creationId xmlns:a16="http://schemas.microsoft.com/office/drawing/2014/main" id="{3C34A97F-E447-41EE-9C5D-91898A652EF9}"/>
+              </a:ext>
+            </a:extLst>
+          </p:cNvPr>
+          <p:cNvSpPr>
+            <a:spLocks noGrp="1"/>
+          </p:cNvSpPr>
+          <p:nvPr>
+            <p:ph type="body" sz="half" idx="15"/>
+          </p:nvPr>
+        </p:nvSpPr>
+        <p:spPr/>
+        <p:txBody>
+          <a:bodyPr/>
+          <a:lstStyle/>
+          <a:p>
+            <a:endParaRPr lang="en-US" dirty="0"/>
+          </a:p>
+        </p:txBody>
+      </p:sp>
+      <p:sp>
+        <p:nvSpPr>
+          <p:cNvPr id="4" name="Text Placeholder 3">
+            <a:extLst>
+              <a:ext uri="{FF2B5EF4-FFF2-40B4-BE49-F238E27FC236}">
+                <a16:creationId xmlns:a16="http://schemas.microsoft.com/office/drawing/2014/main" id="{A1B0DC08-48F8-4F01-802E-4BB50F8BE78E}"/>
+              </a:ext>
+            </a:extLst>
+          </p:cNvPr>
+          <p:cNvSpPr>
+            <a:spLocks noGrp="1"/>
+          </p:cNvSpPr>
+          <p:nvPr>
+            <p:ph type="body" sz="quarter" idx="3"/>
+          </p:nvPr>
+        </p:nvSpPr>
+        <p:spPr/>
+        <p:txBody>
+          <a:bodyPr/>
+          <a:lstStyle/>
+          <a:p>
+            <a:endParaRPr lang="en-US"/>
+          </a:p>
+        </p:txBody>
+      </p:sp>
+      <p:sp>
+        <p:nvSpPr>
+          <p:cNvPr id="7" name="Text Placeholder 6">
+            <a:extLst>
+              <a:ext uri="{FF2B5EF4-FFF2-40B4-BE49-F238E27FC236}">
+                <a16:creationId xmlns:a16="http://schemas.microsoft.com/office/drawing/2014/main" id="{4F12AC37-A5E3-4826-B874-292064368E01}"/>
+              </a:ext>
+            </a:extLst>
+          </p:cNvPr>
+          <p:cNvSpPr>
+            <a:spLocks noGrp="1"/>
+          </p:cNvSpPr>
+          <p:nvPr>
+            <p:ph type="body" sz="half" idx="16"/>
+          </p:nvPr>
+        </p:nvSpPr>
+        <p:spPr/>
+        <p:txBody>
+          <a:bodyPr/>
+          <a:lstStyle/>
+          <a:p>
+            <a:endParaRPr lang="en-US"/>
+          </a:p>
+        </p:txBody>
+      </p:sp>
+      <p:sp>
+        <p:nvSpPr>
+          <p:cNvPr id="5" name="Text Placeholder 4">
+            <a:extLst>
+              <a:ext uri="{FF2B5EF4-FFF2-40B4-BE49-F238E27FC236}">
+                <a16:creationId xmlns:a16="http://schemas.microsoft.com/office/drawing/2014/main" id="{2ACF4AE5-6A32-4979-885B-51C391A8C3F7}"/>
+              </a:ext>
+            </a:extLst>
+          </p:cNvPr>
+          <p:cNvSpPr>
+            <a:spLocks noGrp="1"/>
+          </p:cNvSpPr>
+          <p:nvPr>
+            <p:ph type="body" sz="quarter" idx="13"/>
+          </p:nvPr>
+        </p:nvSpPr>
+        <p:spPr/>
+        <p:txBody>
+          <a:bodyPr/>
+          <a:lstStyle/>
+          <a:p>
+            <a:endParaRPr lang="en-US"/>
+          </a:p>
+        </p:txBody>
+      </p:sp>
+      <p:sp>
+        <p:nvSpPr>
+          <p:cNvPr id="8" name="Text Placeholder 7">
+            <a:extLst>
+              <a:ext uri="{FF2B5EF4-FFF2-40B4-BE49-F238E27FC236}">
+                <a16:creationId xmlns:a16="http://schemas.microsoft.com/office/drawing/2014/main" id="{A68C23E6-0F3B-4395-846E-398A90E47A78}"/>
+              </a:ext>
+            </a:extLst>
+          </p:cNvPr>
+          <p:cNvSpPr>
+            <a:spLocks noGrp="1"/>
+          </p:cNvSpPr>
+          <p:nvPr>
+            <p:ph type="body" sz="half" idx="17"/>
           </p:nvPr>
         </p:nvSpPr>
         <p:spPr/>
@@ -6535,7 +7182,7 @@
     </p:spTree>
     <p:extLst>
       <p:ext uri="{BB962C8B-B14F-4D97-AF65-F5344CB8AC3E}">
-        <p14:creationId xmlns:p14="http://schemas.microsoft.com/office/powerpoint/2010/main" val="1606343505"/>
+        <p14:creationId xmlns:p14="http://schemas.microsoft.com/office/powerpoint/2010/main" val="3316085294"/>
       </p:ext>
     </p:extLst>
   </p:cSld>
@@ -6567,6 +7214,200 @@
           <p:cNvPr id="2" name="Title 1">
             <a:extLst>
               <a:ext uri="{FF2B5EF4-FFF2-40B4-BE49-F238E27FC236}">
+                <a16:creationId xmlns:a16="http://schemas.microsoft.com/office/drawing/2014/main" id="{F97A27D6-1892-4314-95BC-B25D7022088E}"/>
+              </a:ext>
+            </a:extLst>
+          </p:cNvPr>
+          <p:cNvSpPr>
+            <a:spLocks noGrp="1"/>
+          </p:cNvSpPr>
+          <p:nvPr>
+            <p:ph type="title"/>
+          </p:nvPr>
+        </p:nvSpPr>
+        <p:spPr/>
+        <p:txBody>
+          <a:bodyPr/>
+          <a:lstStyle/>
+          <a:p>
+            <a:r>
+              <a:rPr lang="en-US" b="1" dirty="0">
+                <a:latin typeface="Gabriola" pitchFamily="82" charset="0"/>
+              </a:rPr>
+              <a:t>summary</a:t>
+            </a:r>
+          </a:p>
+        </p:txBody>
+      </p:sp>
+      <p:sp>
+        <p:nvSpPr>
+          <p:cNvPr id="3" name="Content Placeholder 2">
+            <a:extLst>
+              <a:ext uri="{FF2B5EF4-FFF2-40B4-BE49-F238E27FC236}">
+                <a16:creationId xmlns:a16="http://schemas.microsoft.com/office/drawing/2014/main" id="{C33BE7B4-0F66-4384-A446-77A811657B6D}"/>
+              </a:ext>
+            </a:extLst>
+          </p:cNvPr>
+          <p:cNvSpPr>
+            <a:spLocks noGrp="1"/>
+          </p:cNvSpPr>
+          <p:nvPr>
+            <p:ph sz="quarter" idx="13"/>
+          </p:nvPr>
+        </p:nvSpPr>
+        <p:spPr/>
+        <p:txBody>
+          <a:bodyPr/>
+          <a:lstStyle/>
+          <a:p>
+            <a:endParaRPr lang="en-US" dirty="0">
+              <a:latin typeface="Gabriola" pitchFamily="82" charset="0"/>
+            </a:endParaRPr>
+          </a:p>
+        </p:txBody>
+      </p:sp>
+    </p:spTree>
+    <p:extLst>
+      <p:ext uri="{BB962C8B-B14F-4D97-AF65-F5344CB8AC3E}">
+        <p14:creationId xmlns:p14="http://schemas.microsoft.com/office/powerpoint/2010/main" val="634061413"/>
+      </p:ext>
+    </p:extLst>
+  </p:cSld>
+  <p:clrMapOvr>
+    <a:masterClrMapping/>
+  </p:clrMapOvr>
+</p:sld>
+</file>
+
+<file path=ppt/slides/slide14.xml><?xml version="1.0" encoding="utf-8"?>
+<p:sld xmlns:a="http://schemas.openxmlformats.org/drawingml/2006/main" xmlns:r="http://schemas.openxmlformats.org/officeDocument/2006/relationships" xmlns:p="http://schemas.openxmlformats.org/presentationml/2006/main">
+  <p:cSld>
+    <p:spTree>
+      <p:nvGrpSpPr>
+        <p:cNvPr id="1" name=""/>
+        <p:cNvGrpSpPr/>
+        <p:nvPr/>
+      </p:nvGrpSpPr>
+      <p:grpSpPr>
+        <a:xfrm>
+          <a:off x="0" y="0"/>
+          <a:ext cx="0" cy="0"/>
+          <a:chOff x="0" y="0"/>
+          <a:chExt cx="0" cy="0"/>
+        </a:xfrm>
+      </p:grpSpPr>
+      <p:sp>
+        <p:nvSpPr>
+          <p:cNvPr id="2" name="Title 1">
+            <a:extLst>
+              <a:ext uri="{FF2B5EF4-FFF2-40B4-BE49-F238E27FC236}">
+                <a16:creationId xmlns:a16="http://schemas.microsoft.com/office/drawing/2014/main" id="{9C3FDE61-42F1-470D-B2E6-62D013A232D2}"/>
+              </a:ext>
+            </a:extLst>
+          </p:cNvPr>
+          <p:cNvSpPr>
+            <a:spLocks noGrp="1"/>
+          </p:cNvSpPr>
+          <p:nvPr>
+            <p:ph type="title"/>
+          </p:nvPr>
+        </p:nvSpPr>
+        <p:spPr/>
+        <p:txBody>
+          <a:bodyPr/>
+          <a:lstStyle/>
+          <a:p>
+            <a:r>
+              <a:rPr lang="en-US" b="1" dirty="0">
+                <a:latin typeface="Gabriola" pitchFamily="82" charset="0"/>
+              </a:rPr>
+              <a:t>conclusion</a:t>
+            </a:r>
+          </a:p>
+        </p:txBody>
+      </p:sp>
+      <p:sp>
+        <p:nvSpPr>
+          <p:cNvPr id="3" name="Content Placeholder 2">
+            <a:extLst>
+              <a:ext uri="{FF2B5EF4-FFF2-40B4-BE49-F238E27FC236}">
+                <a16:creationId xmlns:a16="http://schemas.microsoft.com/office/drawing/2014/main" id="{8487D5FA-9C5B-470E-9F7A-6A1936A4DF2E}"/>
+              </a:ext>
+            </a:extLst>
+          </p:cNvPr>
+          <p:cNvSpPr>
+            <a:spLocks noGrp="1"/>
+          </p:cNvSpPr>
+          <p:nvPr>
+            <p:ph sz="quarter" idx="13"/>
+          </p:nvPr>
+        </p:nvSpPr>
+        <p:spPr/>
+        <p:txBody>
+          <a:bodyPr/>
+          <a:lstStyle/>
+          <a:p>
+            <a:r>
+              <a:rPr lang="en-US" b="0" i="0" dirty="0">
+                <a:solidFill>
+                  <a:srgbClr val="1D1C1D"/>
+                </a:solidFill>
+                <a:effectLst/>
+                <a:latin typeface="Gabriola" pitchFamily="82" charset="0"/>
+              </a:rPr>
+              <a:t>The impact of the coronavirus pandemic on global travel is not easily discernable. Some business' in the tourist sector like smaller hotels and hotels adjacent to national parks have achieved record numbers despite a near complete shutdown of inbound tourism and international travel.</a:t>
+            </a:r>
+          </a:p>
+          <a:p>
+            <a:r>
+              <a:rPr lang="en-US" b="0" i="0" dirty="0">
+                <a:solidFill>
+                  <a:srgbClr val="1D1C1D"/>
+                </a:solidFill>
+                <a:effectLst/>
+                <a:latin typeface="Gabriola" pitchFamily="82" charset="0"/>
+              </a:rPr>
+              <a:t>There is no doubt that the economy will recover from this devastating blow, but it will take much longer than the last. This project is to determine the overall impact COVID had on Travel both domestic and internationally. </a:t>
+            </a:r>
+            <a:endParaRPr lang="en-US" dirty="0"/>
+          </a:p>
+        </p:txBody>
+      </p:sp>
+    </p:spTree>
+    <p:extLst>
+      <p:ext uri="{BB962C8B-B14F-4D97-AF65-F5344CB8AC3E}">
+        <p14:creationId xmlns:p14="http://schemas.microsoft.com/office/powerpoint/2010/main" val="1606343505"/>
+      </p:ext>
+    </p:extLst>
+  </p:cSld>
+  <p:clrMapOvr>
+    <a:masterClrMapping/>
+  </p:clrMapOvr>
+</p:sld>
+</file>
+
+<file path=ppt/slides/slide15.xml><?xml version="1.0" encoding="utf-8"?>
+<p:sld xmlns:a="http://schemas.openxmlformats.org/drawingml/2006/main" xmlns:r="http://schemas.openxmlformats.org/officeDocument/2006/relationships" xmlns:p="http://schemas.openxmlformats.org/presentationml/2006/main">
+  <p:cSld>
+    <p:spTree>
+      <p:nvGrpSpPr>
+        <p:cNvPr id="1" name=""/>
+        <p:cNvGrpSpPr/>
+        <p:nvPr/>
+      </p:nvGrpSpPr>
+      <p:grpSpPr>
+        <a:xfrm>
+          <a:off x="0" y="0"/>
+          <a:ext cx="0" cy="0"/>
+          <a:chOff x="0" y="0"/>
+          <a:chExt cx="0" cy="0"/>
+        </a:xfrm>
+      </p:grpSpPr>
+      <p:sp>
+        <p:nvSpPr>
+          <p:cNvPr id="2" name="Title 1">
+            <a:extLst>
+              <a:ext uri="{FF2B5EF4-FFF2-40B4-BE49-F238E27FC236}">
                 <a16:creationId xmlns:a16="http://schemas.microsoft.com/office/drawing/2014/main" id="{23245021-7DA2-4CA5-A28C-6BBDDE96A043}"/>
               </a:ext>
             </a:extLst>
@@ -6584,7 +7425,9 @@
           <a:lstStyle/>
           <a:p>
             <a:r>
-              <a:rPr lang="en-US" dirty="0"/>
+              <a:rPr lang="en-US" b="1" dirty="0">
+                <a:latin typeface="Gabriola" pitchFamily="82" charset="0"/>
+              </a:rPr>
               <a:t>Questions?</a:t>
             </a:r>
           </a:p>
@@ -6642,7 +7485,9 @@
           <a:lstStyle/>
           <a:p>
             <a:r>
-              <a:rPr lang="en-US" dirty="0"/>
+              <a:rPr lang="en-US" b="1" dirty="0">
+                <a:latin typeface="Gabriola" pitchFamily="82" charset="0"/>
+              </a:rPr>
               <a:t>TEAM MEMBERS</a:t>
             </a:r>
           </a:p>
@@ -6672,48 +7517,68 @@
           <a:lstStyle/>
           <a:p>
             <a:r>
-              <a:rPr lang="en-US" dirty="0" err="1"/>
+              <a:rPr lang="en-US" dirty="0" err="1">
+                <a:latin typeface="Gabriola" pitchFamily="82" charset="0"/>
+              </a:rPr>
               <a:t>Delfrieda</a:t>
             </a:r>
             <a:r>
-              <a:rPr lang="en-US" dirty="0"/>
+              <a:rPr lang="en-US" dirty="0">
+                <a:latin typeface="Gabriola" pitchFamily="82" charset="0"/>
+              </a:rPr>
               <a:t> </a:t>
             </a:r>
             <a:r>
-              <a:rPr lang="en-US" dirty="0" err="1"/>
+              <a:rPr lang="en-US" dirty="0" err="1">
+                <a:latin typeface="Gabriola" pitchFamily="82" charset="0"/>
+              </a:rPr>
               <a:t>mcknight</a:t>
             </a:r>
             <a:r>
-              <a:rPr lang="en-US" dirty="0"/>
+              <a:rPr lang="en-US" dirty="0">
+                <a:latin typeface="Gabriola" pitchFamily="82" charset="0"/>
+              </a:rPr>
               <a:t> </a:t>
             </a:r>
           </a:p>
           <a:p>
             <a:r>
-              <a:rPr lang="en-US" dirty="0"/>
+              <a:rPr lang="en-US" dirty="0">
+                <a:latin typeface="Gabriola" pitchFamily="82" charset="0"/>
+              </a:rPr>
               <a:t>Jacqueline THOMPSON</a:t>
             </a:r>
           </a:p>
           <a:p>
             <a:r>
-              <a:rPr lang="en-US" dirty="0"/>
+              <a:rPr lang="en-US" dirty="0">
+                <a:latin typeface="Gabriola" pitchFamily="82" charset="0"/>
+              </a:rPr>
               <a:t>JOAN </a:t>
             </a:r>
             <a:r>
-              <a:rPr lang="en-US" dirty="0" err="1"/>
+              <a:rPr lang="en-US" dirty="0" err="1">
+                <a:latin typeface="Gabriola" pitchFamily="82" charset="0"/>
+              </a:rPr>
               <a:t>Izundu</a:t>
             </a:r>
-            <a:endParaRPr lang="en-US" dirty="0"/>
-          </a:p>
-          <a:p>
-            <a:r>
-              <a:rPr lang="en-US" dirty="0"/>
+            <a:endParaRPr lang="en-US" dirty="0">
+              <a:latin typeface="Gabriola" pitchFamily="82" charset="0"/>
+            </a:endParaRPr>
+          </a:p>
+          <a:p>
+            <a:r>
+              <a:rPr lang="en-US" dirty="0">
+                <a:latin typeface="Gabriola" pitchFamily="82" charset="0"/>
+              </a:rPr>
               <a:t>SHEILA CAVAZOS</a:t>
             </a:r>
           </a:p>
           <a:p>
             <a:r>
-              <a:rPr lang="en-US" dirty="0"/>
+              <a:rPr lang="en-US" dirty="0">
+                <a:latin typeface="Gabriola" pitchFamily="82" charset="0"/>
+              </a:rPr>
               <a:t>TENISHA THOMPSON</a:t>
             </a:r>
           </a:p>
@@ -6777,18 +7642,26 @@
           <a:lstStyle/>
           <a:p>
             <a:r>
-              <a:rPr lang="en-US" dirty="0" err="1"/>
+              <a:rPr lang="en-US" b="1" dirty="0" err="1">
+                <a:latin typeface="Gabriola" pitchFamily="82" charset="0"/>
+              </a:rPr>
               <a:t>Delfrieda</a:t>
             </a:r>
             <a:r>
-              <a:rPr lang="en-US" dirty="0"/>
+              <a:rPr lang="en-US" b="1" dirty="0">
+                <a:latin typeface="Gabriola" pitchFamily="82" charset="0"/>
+              </a:rPr>
               <a:t> (Frieda) </a:t>
             </a:r>
             <a:r>
-              <a:rPr lang="en-US" dirty="0" err="1"/>
+              <a:rPr lang="en-US" b="1" dirty="0" err="1">
+                <a:latin typeface="Gabriola" pitchFamily="82" charset="0"/>
+              </a:rPr>
               <a:t>mcknight</a:t>
             </a:r>
-            <a:endParaRPr lang="en-US" dirty="0"/>
+            <a:endParaRPr lang="en-US" b="1" dirty="0">
+              <a:latin typeface="Gabriola" pitchFamily="82" charset="0"/>
+            </a:endParaRPr>
           </a:p>
         </p:txBody>
       </p:sp>
@@ -6810,13 +7683,13 @@
         </p:nvSpPr>
         <p:spPr>
           <a:xfrm>
-            <a:off x="685800" y="2063396"/>
+            <a:off x="685801" y="1950580"/>
             <a:ext cx="6177419" cy="3311189"/>
           </a:xfrm>
         </p:spPr>
         <p:txBody>
           <a:bodyPr>
-            <a:normAutofit fontScale="85000" lnSpcReduction="20000"/>
+            <a:normAutofit fontScale="92500" lnSpcReduction="10000"/>
           </a:bodyPr>
           <a:lstStyle/>
           <a:p>
@@ -6826,19 +7699,19 @@
             </a:pPr>
             <a:r>
               <a:rPr lang="en-US" sz="2000" dirty="0">
-                <a:latin typeface="Imprint MT Shadow" pitchFamily="82" charset="0"/>
+                <a:latin typeface="Gabriola" pitchFamily="82" charset="0"/>
               </a:rPr>
               <a:t>Currently employed as a Fiscal analyst for </a:t>
             </a:r>
             <a:r>
               <a:rPr lang="en-US" sz="2000" dirty="0" err="1">
-                <a:latin typeface="Imprint MT Shadow" pitchFamily="82" charset="0"/>
+                <a:latin typeface="Gabriola" pitchFamily="82" charset="0"/>
               </a:rPr>
               <a:t>Scdhhs</a:t>
             </a:r>
             <a:r>
               <a:rPr lang="en-US" sz="2000" dirty="0">
-                <a:latin typeface="Imprint MT Shadow" pitchFamily="82" charset="0"/>
+                <a:latin typeface="Gabriola" pitchFamily="82" charset="0"/>
               </a:rPr>
               <a:t> (Medicaid)  </a:t>
             </a:r>
@@ -6850,7 +7723,7 @@
             </a:pPr>
             <a:r>
               <a:rPr lang="en-US" sz="2000" dirty="0">
-                <a:latin typeface="Imprint MT Shadow" pitchFamily="82" charset="0"/>
+                <a:latin typeface="Gabriola" pitchFamily="82" charset="0"/>
               </a:rPr>
               <a:t>Employment background: finance insurance, medical claims</a:t>
             </a:r>
@@ -6862,19 +7735,19 @@
             </a:pPr>
             <a:r>
               <a:rPr lang="en-US" sz="2000" dirty="0">
-                <a:latin typeface="Imprint MT Shadow" pitchFamily="82" charset="0"/>
+                <a:latin typeface="Gabriola" pitchFamily="82" charset="0"/>
               </a:rPr>
               <a:t>Strengths: team player, </a:t>
             </a:r>
             <a:r>
               <a:rPr lang="en-US" sz="2000" dirty="0" err="1">
-                <a:latin typeface="Imprint MT Shadow" pitchFamily="82" charset="0"/>
+                <a:latin typeface="Gabriola" pitchFamily="82" charset="0"/>
               </a:rPr>
               <a:t>trello</a:t>
             </a:r>
             <a:r>
               <a:rPr lang="en-US" sz="2000" dirty="0">
-                <a:latin typeface="Imprint MT Shadow" pitchFamily="82" charset="0"/>
+                <a:latin typeface="Gabriola" pitchFamily="82" charset="0"/>
               </a:rPr>
               <a:t>, tableau</a:t>
             </a:r>
@@ -6886,19 +7759,19 @@
             </a:pPr>
             <a:r>
               <a:rPr lang="en-US" sz="2000" dirty="0">
-                <a:latin typeface="Imprint MT Shadow" pitchFamily="82" charset="0"/>
+                <a:latin typeface="Gabriola" pitchFamily="82" charset="0"/>
               </a:rPr>
               <a:t>Hobbies: </a:t>
             </a:r>
             <a:r>
               <a:rPr lang="en-US" sz="2000" dirty="0" err="1">
-                <a:latin typeface="Imprint MT Shadow" pitchFamily="82" charset="0"/>
+                <a:latin typeface="Gabriola" pitchFamily="82" charset="0"/>
               </a:rPr>
               <a:t>listenING</a:t>
             </a:r>
             <a:r>
               <a:rPr lang="en-US" sz="2000" dirty="0">
-                <a:latin typeface="Imprint MT Shadow" pitchFamily="82" charset="0"/>
+                <a:latin typeface="Gabriola" pitchFamily="82" charset="0"/>
               </a:rPr>
               <a:t> to podcast, makeup and traveling</a:t>
             </a:r>
@@ -6910,7 +7783,7 @@
             </a:pPr>
             <a:r>
               <a:rPr lang="en-US" sz="2000" dirty="0">
-                <a:latin typeface="Imprint MT Shadow" pitchFamily="82" charset="0"/>
+                <a:latin typeface="Gabriola" pitchFamily="82" charset="0"/>
               </a:rPr>
               <a:t>Interesting fact: I wanted to be a dental hygienist but realized I didn’t want to touch people</a:t>
             </a:r>
@@ -7004,7 +7877,9 @@
           <a:lstStyle/>
           <a:p>
             <a:r>
-              <a:rPr lang="en-US" dirty="0"/>
+              <a:rPr lang="en-US" b="1" dirty="0">
+                <a:latin typeface="Gabriola" pitchFamily="82" charset="0"/>
+              </a:rPr>
               <a:t>Jacqueline (JACKIE) THOMPSON</a:t>
             </a:r>
           </a:p>
@@ -7044,7 +7919,7 @@
                   <a:srgbClr val="1D1C1D"/>
                 </a:solidFill>
                 <a:effectLst/>
-                <a:latin typeface="Slack-Lato"/>
+                <a:latin typeface="Gabriola" pitchFamily="82" charset="0"/>
               </a:rPr>
               <a:t>Currently employed: </a:t>
             </a:r>
@@ -7054,7 +7929,7 @@
                   <a:srgbClr val="1D1C1D"/>
                 </a:solidFill>
                 <a:effectLst/>
-                <a:latin typeface="Slack-Lato"/>
+                <a:latin typeface="Gabriola" pitchFamily="82" charset="0"/>
               </a:rPr>
               <a:t>MetroTransit</a:t>
             </a:r>
@@ -7064,7 +7939,7 @@
                   <a:srgbClr val="1D1C1D"/>
                 </a:solidFill>
                 <a:effectLst/>
-                <a:latin typeface="Slack-Lato"/>
+                <a:latin typeface="Gabriola" pitchFamily="82" charset="0"/>
               </a:rPr>
               <a:t> Bus Operator for the Metropolitan Council in Minneapolis, MN</a:t>
             </a:r>
@@ -7076,7 +7951,7 @@
                   <a:srgbClr val="1D1C1D"/>
                 </a:solidFill>
                 <a:effectLst/>
-                <a:latin typeface="Slack-Lato"/>
+                <a:latin typeface="Gabriola" pitchFamily="82" charset="0"/>
               </a:rPr>
               <a:t>Employment background: 16 years working as a Social Worker for The Bridge for Youth serving youth and families in crisis specifically system involved youth between the ages of 16 and 24, 9.5  years for </a:t>
             </a:r>
@@ -7086,7 +7961,7 @@
                   <a:srgbClr val="1D1C1D"/>
                 </a:solidFill>
                 <a:effectLst/>
-                <a:latin typeface="Slack-Lato"/>
+                <a:latin typeface="Gabriola" pitchFamily="82" charset="0"/>
               </a:rPr>
               <a:t>MetroTransit</a:t>
             </a:r>
@@ -7096,7 +7971,7 @@
                   <a:srgbClr val="1D1C1D"/>
                 </a:solidFill>
                 <a:effectLst/>
-                <a:latin typeface="Slack-Lato"/>
+                <a:latin typeface="Gabriola" pitchFamily="82" charset="0"/>
               </a:rPr>
               <a:t> as a Bus Operator</a:t>
             </a:r>
@@ -7108,7 +7983,7 @@
                   <a:srgbClr val="1D1C1D"/>
                 </a:solidFill>
                 <a:effectLst/>
-                <a:latin typeface="Slack-Lato"/>
+                <a:latin typeface="Gabriola" pitchFamily="82" charset="0"/>
               </a:rPr>
               <a:t>Strengths: Analyzing data and summarizing what it means, Python and R</a:t>
             </a:r>
@@ -7120,7 +7995,7 @@
                   <a:srgbClr val="1D1C1D"/>
                 </a:solidFill>
                 <a:effectLst/>
-                <a:latin typeface="Slack-Lato"/>
+                <a:latin typeface="Gabriola" pitchFamily="82" charset="0"/>
               </a:rPr>
               <a:t>Hobbies: Gardening ( I really love flowers and plants), Baking, Listening and reading music, and I love to laugh and enjoy the joys of life</a:t>
             </a:r>
@@ -7132,11 +8007,13 @@
                   <a:srgbClr val="1D1C1D"/>
                 </a:solidFill>
                 <a:effectLst/>
-                <a:latin typeface="Slack-Lato"/>
+                <a:latin typeface="Gabriola" pitchFamily="82" charset="0"/>
               </a:rPr>
               <a:t>Interesting fact: I know how to play the trumpet and piano</a:t>
             </a:r>
-            <a:endParaRPr lang="en-US" sz="1800" dirty="0"/>
+            <a:endParaRPr lang="en-US" sz="1800" dirty="0">
+              <a:latin typeface="Gabriola" pitchFamily="82" charset="0"/>
+            </a:endParaRPr>
           </a:p>
         </p:txBody>
       </p:sp>
@@ -7224,14 +8101,20 @@
           <a:lstStyle/>
           <a:p>
             <a:r>
-              <a:rPr lang="en-US" dirty="0"/>
+              <a:rPr lang="en-US" b="1" dirty="0">
+                <a:latin typeface="Gabriola" pitchFamily="82" charset="0"/>
+              </a:rPr>
               <a:t>JOAN (JUNI) </a:t>
             </a:r>
             <a:r>
-              <a:rPr lang="en-US" dirty="0" err="1"/>
+              <a:rPr lang="en-US" b="1" dirty="0" err="1">
+                <a:latin typeface="Gabriola" pitchFamily="82" charset="0"/>
+              </a:rPr>
               <a:t>Izundu</a:t>
             </a:r>
-            <a:endParaRPr lang="en-US" dirty="0"/>
+            <a:endParaRPr lang="en-US" b="1" dirty="0">
+              <a:latin typeface="Gabriola" pitchFamily="82" charset="0"/>
+            </a:endParaRPr>
           </a:p>
         </p:txBody>
       </p:sp>
@@ -7251,15 +8134,110 @@
             <p:ph sz="quarter" idx="13"/>
           </p:nvPr>
         </p:nvSpPr>
-        <p:spPr/>
+        <p:spPr>
+          <a:xfrm>
+            <a:off x="685800" y="2063396"/>
+            <a:ext cx="7508309" cy="3311189"/>
+          </a:xfrm>
+        </p:spPr>
         <p:txBody>
           <a:bodyPr/>
           <a:lstStyle/>
           <a:p>
-            <a:endParaRPr lang="en-US"/>
-          </a:p>
-        </p:txBody>
-      </p:sp>
+            <a:pPr lvl="0"/>
+            <a:r>
+              <a:rPr lang="en-US" sz="1800" dirty="0">
+                <a:effectLst/>
+                <a:latin typeface="Gabriola" pitchFamily="82" charset="0"/>
+                <a:ea typeface="Calibri" panose="020F0502020204030204" pitchFamily="34" charset="0"/>
+                <a:cs typeface="Times New Roman" panose="02020603050405020304" pitchFamily="18" charset="0"/>
+              </a:rPr>
+              <a:t>I was originally born and raised in Nigeria.</a:t>
+            </a:r>
+          </a:p>
+          <a:p>
+            <a:pPr lvl="0"/>
+            <a:r>
+              <a:rPr lang="en-US" sz="1800" dirty="0">
+                <a:effectLst/>
+                <a:latin typeface="Gabriola" pitchFamily="82" charset="0"/>
+                <a:ea typeface="Calibri" panose="020F0502020204030204" pitchFamily="34" charset="0"/>
+                <a:cs typeface="Times New Roman" panose="02020603050405020304" pitchFamily="18" charset="0"/>
+              </a:rPr>
+              <a:t>I currently work for C2 Global/Workforce solutions as a Career Counselor/Data Entry Specialist</a:t>
+            </a:r>
+          </a:p>
+          <a:p>
+            <a:pPr lvl="0"/>
+            <a:r>
+              <a:rPr lang="en-US" sz="1800" dirty="0">
+                <a:effectLst/>
+                <a:latin typeface="Gabriola" pitchFamily="82" charset="0"/>
+                <a:ea typeface="Calibri" panose="020F0502020204030204" pitchFamily="34" charset="0"/>
+                <a:cs typeface="Times New Roman" panose="02020603050405020304" pitchFamily="18" charset="0"/>
+              </a:rPr>
+              <a:t>I went to school for English Literature and Dance, but after my sophomore year, I realized it was a waste of my time and Parents money.</a:t>
+            </a:r>
+          </a:p>
+          <a:p>
+            <a:pPr lvl="0"/>
+            <a:r>
+              <a:rPr lang="en-US" sz="1800" dirty="0">
+                <a:effectLst/>
+                <a:latin typeface="Gabriola" pitchFamily="82" charset="0"/>
+                <a:ea typeface="Calibri" panose="020F0502020204030204" pitchFamily="34" charset="0"/>
+                <a:cs typeface="Times New Roman" panose="02020603050405020304" pitchFamily="18" charset="0"/>
+              </a:rPr>
+              <a:t>I love Dancing, Reading, learning new Languages, and Traveling</a:t>
+            </a:r>
+          </a:p>
+          <a:p>
+            <a:pPr lvl="0"/>
+            <a:r>
+              <a:rPr lang="en-US" sz="1800" dirty="0">
+                <a:effectLst/>
+                <a:latin typeface="Gabriola" pitchFamily="82" charset="0"/>
+                <a:ea typeface="Calibri" panose="020F0502020204030204" pitchFamily="34" charset="0"/>
+                <a:cs typeface="Times New Roman" panose="02020603050405020304" pitchFamily="18" charset="0"/>
+              </a:rPr>
+              <a:t>My current obsession is K-pop and learning Korean.</a:t>
+            </a:r>
+          </a:p>
+          <a:p>
+            <a:endParaRPr lang="en-US" dirty="0"/>
+          </a:p>
+        </p:txBody>
+      </p:sp>
+      <p:pic>
+        <p:nvPicPr>
+          <p:cNvPr id="4" name="Picture 4">
+            <a:extLst>
+              <a:ext uri="{FF2B5EF4-FFF2-40B4-BE49-F238E27FC236}">
+                <a16:creationId xmlns:a16="http://schemas.microsoft.com/office/drawing/2014/main" id="{279BE84B-87BE-4409-9431-B15EF046053D}"/>
+              </a:ext>
+            </a:extLst>
+          </p:cNvPr>
+          <p:cNvPicPr>
+            <a:picLocks noChangeAspect="1"/>
+          </p:cNvPicPr>
+          <p:nvPr/>
+        </p:nvPicPr>
+        <p:blipFill>
+          <a:blip r:embed="rId2"/>
+          <a:stretch>
+            <a:fillRect/>
+          </a:stretch>
+        </p:blipFill>
+        <p:spPr>
+          <a:xfrm>
+            <a:off x="8502907" y="171652"/>
+            <a:ext cx="2910570" cy="5418667"/>
+          </a:xfrm>
+          <a:prstGeom prst="rect">
+            <a:avLst/>
+          </a:prstGeom>
+        </p:spPr>
+      </p:pic>
     </p:spTree>
     <p:extLst>
       <p:ext uri="{BB962C8B-B14F-4D97-AF65-F5344CB8AC3E}">
@@ -7312,7 +8290,9 @@
           <a:lstStyle/>
           <a:p>
             <a:r>
-              <a:rPr lang="en-US" dirty="0"/>
+              <a:rPr lang="en-US" b="1" dirty="0">
+                <a:latin typeface="Gabriola" pitchFamily="82" charset="0"/>
+              </a:rPr>
               <a:t>Sheila cavazos</a:t>
             </a:r>
           </a:p>
@@ -7342,7 +8322,7 @@
         </p:spPr>
         <p:txBody>
           <a:bodyPr>
-            <a:normAutofit fontScale="85000" lnSpcReduction="20000"/>
+            <a:normAutofit/>
           </a:bodyPr>
           <a:lstStyle/>
           <a:p>
@@ -7352,7 +8332,7 @@
             </a:pPr>
             <a:r>
               <a:rPr lang="en-US" sz="2000" dirty="0">
-                <a:latin typeface="Imprint MT Shadow" pitchFamily="82" charset="0"/>
+                <a:latin typeface="Gabriola" pitchFamily="82" charset="0"/>
               </a:rPr>
               <a:t>Currently employed as a Credit Dispute Investigator </a:t>
             </a:r>
@@ -7364,7 +8344,7 @@
             </a:pPr>
             <a:r>
               <a:rPr lang="en-US" sz="2000" dirty="0">
-                <a:latin typeface="Imprint MT Shadow" pitchFamily="82" charset="0"/>
+                <a:latin typeface="Gabriola" pitchFamily="82" charset="0"/>
               </a:rPr>
               <a:t>Employment background: Sales, insurance and data entry</a:t>
             </a:r>
@@ -7376,7 +8356,7 @@
             </a:pPr>
             <a:r>
               <a:rPr lang="en-US" sz="2000" dirty="0">
-                <a:latin typeface="Imprint MT Shadow" pitchFamily="82" charset="0"/>
+                <a:latin typeface="Gabriola" pitchFamily="82" charset="0"/>
               </a:rPr>
               <a:t>Strengths: visualizations, graphics and python, tableau</a:t>
             </a:r>
@@ -7388,7 +8368,7 @@
             </a:pPr>
             <a:r>
               <a:rPr lang="en-US" sz="2000" dirty="0">
-                <a:latin typeface="Imprint MT Shadow" pitchFamily="82" charset="0"/>
+                <a:latin typeface="Gabriola" pitchFamily="82" charset="0"/>
               </a:rPr>
               <a:t>Hobbies: reading, hiking, running, and being outdoors</a:t>
             </a:r>
@@ -7400,7 +8380,7 @@
             </a:pPr>
             <a:r>
               <a:rPr lang="en-US" sz="2000" dirty="0">
-                <a:latin typeface="Imprint MT Shadow" pitchFamily="82" charset="0"/>
+                <a:latin typeface="Gabriola" pitchFamily="82" charset="0"/>
               </a:rPr>
               <a:t>Interesting fact: I live on a farm and raise pigs, COWS, AND CHICKENS</a:t>
             </a:r>
@@ -7491,7 +8471,9 @@
           <a:lstStyle/>
           <a:p>
             <a:r>
-              <a:rPr lang="en-US" dirty="0"/>
+              <a:rPr lang="en-US" b="1" dirty="0">
+                <a:latin typeface="Gabriola" pitchFamily="82" charset="0"/>
+              </a:rPr>
               <a:t>TENISHA THOMPSON</a:t>
             </a:r>
           </a:p>
@@ -7513,15 +8495,80 @@
             <p:ph sz="quarter" idx="13"/>
           </p:nvPr>
         </p:nvSpPr>
-        <p:spPr/>
+        <p:spPr>
+          <a:xfrm>
+            <a:off x="685801" y="2063396"/>
+            <a:ext cx="7938892" cy="3311189"/>
+          </a:xfrm>
+        </p:spPr>
         <p:txBody>
           <a:bodyPr/>
           <a:lstStyle/>
           <a:p>
-            <a:endParaRPr lang="en-US"/>
-          </a:p>
-        </p:txBody>
-      </p:sp>
+            <a:r>
+              <a:rPr lang="en-US" sz="1800" dirty="0">
+                <a:effectLst/>
+                <a:latin typeface="Gabriola" pitchFamily="82" charset="0"/>
+                <a:ea typeface="Calibri" panose="020F0502020204030204" pitchFamily="34" charset="0"/>
+                <a:cs typeface="Times New Roman" panose="02020603050405020304" pitchFamily="18" charset="0"/>
+              </a:rPr>
+              <a:t>Tenisha studied Computer Information Systems with a focus in Database Administration and over the past five years has tutored at a Junior College in Chicago sharing her knowledge about basic computer skills to the foundation and basic concepts of programming languages and transforming that information into the simplest terms. </a:t>
+            </a:r>
+          </a:p>
+          <a:p>
+            <a:r>
+              <a:rPr lang="en-US" sz="1800" dirty="0">
+                <a:latin typeface="Gabriola" pitchFamily="82" charset="0"/>
+                <a:ea typeface="Calibri" panose="020F0502020204030204" pitchFamily="34" charset="0"/>
+                <a:cs typeface="Times New Roman" panose="02020603050405020304" pitchFamily="18" charset="0"/>
+              </a:rPr>
+              <a:t>Hobbies: </a:t>
+            </a:r>
+            <a:r>
+              <a:rPr lang="en-US" sz="1800" dirty="0">
+                <a:effectLst/>
+                <a:latin typeface="Gabriola" pitchFamily="82" charset="0"/>
+                <a:ea typeface="Calibri" panose="020F0502020204030204" pitchFamily="34" charset="0"/>
+                <a:cs typeface="Times New Roman" panose="02020603050405020304" pitchFamily="18" charset="0"/>
+              </a:rPr>
+              <a:t>enjoys museums, music, cinematography and theatre and dissection discussions about the arts as well as catching natures first blooms.</a:t>
+            </a:r>
+          </a:p>
+          <a:p>
+            <a:endParaRPr lang="en-US" dirty="0"/>
+          </a:p>
+        </p:txBody>
+      </p:sp>
+      <p:pic>
+        <p:nvPicPr>
+          <p:cNvPr id="4" name="Picture 4">
+            <a:extLst>
+              <a:ext uri="{FF2B5EF4-FFF2-40B4-BE49-F238E27FC236}">
+                <a16:creationId xmlns:a16="http://schemas.microsoft.com/office/drawing/2014/main" id="{0C921414-06AE-465E-B08E-F84D47D1D2F2}"/>
+              </a:ext>
+            </a:extLst>
+          </p:cNvPr>
+          <p:cNvPicPr>
+            <a:picLocks noChangeAspect="1"/>
+          </p:cNvPicPr>
+          <p:nvPr/>
+        </p:nvPicPr>
+        <p:blipFill>
+          <a:blip r:embed="rId2"/>
+          <a:stretch>
+            <a:fillRect/>
+          </a:stretch>
+        </p:blipFill>
+        <p:spPr>
+          <a:xfrm>
+            <a:off x="8322499" y="1772653"/>
+            <a:ext cx="3301132" cy="3312694"/>
+          </a:xfrm>
+          <a:prstGeom prst="rect">
+            <a:avLst/>
+          </a:prstGeom>
+        </p:spPr>
+      </p:pic>
     </p:spTree>
     <p:extLst>
       <p:ext uri="{BB962C8B-B14F-4D97-AF65-F5344CB8AC3E}">
@@ -7574,18 +8621,26 @@
           <a:lstStyle/>
           <a:p>
             <a:r>
-              <a:rPr lang="en-US" dirty="0" err="1"/>
+              <a:rPr lang="en-US" b="1" dirty="0" err="1">
+                <a:latin typeface="Gabriola" pitchFamily="82" charset="0"/>
+              </a:rPr>
               <a:t>airbourne</a:t>
             </a:r>
             <a:r>
-              <a:rPr lang="en-US" dirty="0"/>
+              <a:rPr lang="en-US" b="1" dirty="0">
+                <a:latin typeface="Gabriola" pitchFamily="82" charset="0"/>
+              </a:rPr>
               <a:t> </a:t>
             </a:r>
             <a:r>
-              <a:rPr lang="en-US" dirty="0" err="1"/>
+              <a:rPr lang="en-US" b="1" dirty="0" err="1">
+                <a:latin typeface="Gabriola" pitchFamily="82" charset="0"/>
+              </a:rPr>
               <a:t>intorduction</a:t>
             </a:r>
-            <a:endParaRPr lang="en-US" dirty="0"/>
+            <a:endParaRPr lang="en-US" b="1" dirty="0">
+              <a:latin typeface="Gabriola" pitchFamily="82" charset="0"/>
+            </a:endParaRPr>
           </a:p>
         </p:txBody>
       </p:sp>
@@ -7607,10 +8662,119 @@
         </p:nvSpPr>
         <p:spPr/>
         <p:txBody>
-          <a:bodyPr/>
-          <a:lstStyle/>
-          <a:p>
-            <a:endParaRPr lang="en-US"/>
+          <a:bodyPr>
+            <a:normAutofit/>
+          </a:bodyPr>
+          <a:lstStyle/>
+          <a:p>
+            <a:r>
+              <a:rPr lang="en-US" b="0" i="0" dirty="0" err="1">
+                <a:solidFill>
+                  <a:srgbClr val="1D1C1D"/>
+                </a:solidFill>
+                <a:effectLst/>
+                <a:latin typeface="Gabriola" pitchFamily="82" charset="0"/>
+              </a:rPr>
+              <a:t>Covid</a:t>
+            </a:r>
+            <a:r>
+              <a:rPr lang="en-US" b="0" i="0" dirty="0">
+                <a:solidFill>
+                  <a:srgbClr val="1D1C1D"/>
+                </a:solidFill>
+                <a:effectLst/>
+                <a:latin typeface="Gabriola" pitchFamily="82" charset="0"/>
+              </a:rPr>
+              <a:t> has impacted the travel industry greatly. </a:t>
+            </a:r>
+          </a:p>
+          <a:p>
+            <a:r>
+              <a:rPr lang="en-US" b="0" i="0" dirty="0">
+                <a:solidFill>
+                  <a:srgbClr val="1D1C1D"/>
+                </a:solidFill>
+                <a:effectLst/>
+                <a:latin typeface="Gabriola" pitchFamily="82" charset="0"/>
+              </a:rPr>
+              <a:t>the travel economy was booming and have seen an upward growth for the past decade</a:t>
+            </a:r>
+          </a:p>
+          <a:p>
+            <a:r>
+              <a:rPr lang="en-US" b="0" i="0" dirty="0">
+                <a:solidFill>
+                  <a:srgbClr val="1D1C1D"/>
+                </a:solidFill>
+                <a:effectLst/>
+                <a:latin typeface="Gabriola" pitchFamily="82" charset="0"/>
+              </a:rPr>
+              <a:t>that all came crashing down with the news of </a:t>
+            </a:r>
+            <a:r>
+              <a:rPr lang="en-US" b="0" i="0" dirty="0" err="1">
+                <a:solidFill>
+                  <a:srgbClr val="1D1C1D"/>
+                </a:solidFill>
+                <a:effectLst/>
+                <a:latin typeface="Gabriola" pitchFamily="82" charset="0"/>
+              </a:rPr>
+              <a:t>Covid</a:t>
+            </a:r>
+            <a:r>
+              <a:rPr lang="en-US" b="0" i="0" dirty="0">
+                <a:solidFill>
+                  <a:srgbClr val="1D1C1D"/>
+                </a:solidFill>
+                <a:effectLst/>
+                <a:latin typeface="Gabriola" pitchFamily="82" charset="0"/>
+              </a:rPr>
+              <a:t> spreading far and wide</a:t>
+            </a:r>
+          </a:p>
+          <a:p>
+            <a:r>
+              <a:rPr lang="en-US" b="0" i="0" dirty="0">
+                <a:solidFill>
+                  <a:srgbClr val="1D1C1D"/>
+                </a:solidFill>
+                <a:effectLst/>
+                <a:latin typeface="Gabriola" pitchFamily="82" charset="0"/>
+              </a:rPr>
+              <a:t>This however does not just affect international travel, but domestic as well. </a:t>
+            </a:r>
+          </a:p>
+          <a:p>
+            <a:r>
+              <a:rPr lang="en-US" b="0" i="0" dirty="0">
+                <a:solidFill>
+                  <a:srgbClr val="1D1C1D"/>
+                </a:solidFill>
+                <a:effectLst/>
+                <a:latin typeface="Gabriola" pitchFamily="82" charset="0"/>
+              </a:rPr>
+              <a:t>The reason for this study was to determine the overall impact of </a:t>
+            </a:r>
+            <a:r>
+              <a:rPr lang="en-US" b="0" i="0" dirty="0" err="1">
+                <a:solidFill>
+                  <a:srgbClr val="1D1C1D"/>
+                </a:solidFill>
+                <a:effectLst/>
+                <a:latin typeface="Gabriola" pitchFamily="82" charset="0"/>
+              </a:rPr>
+              <a:t>covid</a:t>
+            </a:r>
+            <a:r>
+              <a:rPr lang="en-US" b="0" i="0" dirty="0">
+                <a:solidFill>
+                  <a:srgbClr val="1D1C1D"/>
+                </a:solidFill>
+                <a:effectLst/>
+                <a:latin typeface="Gabriola" pitchFamily="82" charset="0"/>
+              </a:rPr>
+              <a:t> on the travel industry</a:t>
+            </a:r>
           </a:p>
         </p:txBody>
       </p:sp>
@@ -7666,7 +8830,9 @@
           <a:lstStyle/>
           <a:p>
             <a:r>
-              <a:rPr lang="en-US" dirty="0"/>
+              <a:rPr lang="en-US" b="1" dirty="0">
+                <a:latin typeface="Gabriola" pitchFamily="82" charset="0"/>
+              </a:rPr>
               <a:t>methods</a:t>
             </a:r>
           </a:p>
@@ -7690,10 +8856,53 @@
         </p:nvSpPr>
         <p:spPr/>
         <p:txBody>
-          <a:bodyPr/>
-          <a:lstStyle/>
-          <a:p>
-            <a:endParaRPr lang="en-US"/>
+          <a:bodyPr>
+            <a:normAutofit/>
+          </a:bodyPr>
+          <a:lstStyle/>
+          <a:p>
+            <a:r>
+              <a:rPr lang="en-US" dirty="0">
+                <a:latin typeface="Gabriola" pitchFamily="82" charset="0"/>
+              </a:rPr>
+              <a:t>Python</a:t>
+            </a:r>
+          </a:p>
+          <a:p>
+            <a:pPr lvl="1"/>
+            <a:r>
+              <a:rPr lang="en-US" dirty="0">
+                <a:latin typeface="Gabriola" pitchFamily="82" charset="0"/>
+              </a:rPr>
+              <a:t>Gathered data and manipulated the data into workable information</a:t>
+            </a:r>
+          </a:p>
+          <a:p>
+            <a:pPr lvl="1"/>
+            <a:r>
+              <a:rPr lang="en-US" dirty="0">
+                <a:latin typeface="Gabriola" pitchFamily="82" charset="0"/>
+              </a:rPr>
+              <a:t>Tested the data due to suspected violation of assumptions with  Single sample t-test, Linear progression, Logistic regression, Random forest</a:t>
+            </a:r>
+          </a:p>
+          <a:p>
+            <a:pPr lvl="1"/>
+            <a:r>
+              <a:rPr lang="en-US" dirty="0">
+                <a:latin typeface="Gabriola" pitchFamily="82" charset="0"/>
+              </a:rPr>
+              <a:t>Graphed the data with a histogram, scatterplot, and  a </a:t>
+            </a:r>
+            <a:r>
+              <a:rPr lang="en-US" dirty="0" err="1">
+                <a:latin typeface="Gabriola" pitchFamily="82" charset="0"/>
+              </a:rPr>
+              <a:t>pairplot</a:t>
+            </a:r>
+            <a:endParaRPr lang="en-US" dirty="0">
+              <a:latin typeface="Gabriola" pitchFamily="82" charset="0"/>
+            </a:endParaRPr>
           </a:p>
         </p:txBody>
       </p:sp>
@@ -7935,4 +9144,299 @@
     </a:ext>
   </a:extLst>
 </a:theme>
+</file>
+
+<file path=ppt/theme/theme2.xml><?xml version="1.0" encoding="utf-8"?>
+<a:theme xmlns:a="http://schemas.openxmlformats.org/drawingml/2006/main" name="Office Theme">
+  <a:themeElements>
+    <a:clrScheme name="Office">
+      <a:dk1>
+        <a:sysClr val="windowText" lastClr="000000"/>
+      </a:dk1>
+      <a:lt1>
+        <a:sysClr val="window" lastClr="FFFFFF"/>
+      </a:lt1>
+      <a:dk2>
+        <a:srgbClr val="44546A"/>
+      </a:dk2>
+      <a:lt2>
+        <a:srgbClr val="E7E6E6"/>
+      </a:lt2>
+      <a:accent1>
+        <a:srgbClr val="4472C4"/>
+      </a:accent1>
+      <a:accent2>
+        <a:srgbClr val="ED7D31"/>
+      </a:accent2>
+      <a:accent3>
+        <a:srgbClr val="A5A5A5"/>
+      </a:accent3>
+      <a:accent4>
+        <a:srgbClr val="FFC000"/>
+      </a:accent4>
+      <a:accent5>
+        <a:srgbClr val="5B9BD5"/>
+      </a:accent5>
+      <a:accent6>
+        <a:srgbClr val="70AD47"/>
+      </a:accent6>
+      <a:hlink>
+        <a:srgbClr val="0563C1"/>
+      </a:hlink>
+      <a:folHlink>
+        <a:srgbClr val="954F72"/>
+      </a:folHlink>
+    </a:clrScheme>
+    <a:fontScheme name="Office">
+      <a:majorFont>
+        <a:latin typeface="Calibri Light" panose="020F0302020204030204"/>
+        <a:ea typeface=""/>
+        <a:cs typeface=""/>
+        <a:font script="Jpan" typeface="游ゴシック Light"/>
+        <a:font script="Hang" typeface="맑은 고딕"/>
+        <a:font script="Hans" typeface="等线 Light"/>
+        <a:font script="Hant" typeface="新細明體"/>
+        <a:font script="Arab" typeface="Times New Roman"/>
+        <a:font script="Hebr" typeface="Times New Roman"/>
+        <a:font script="Thai" typeface="Angsana New"/>
+        <a:font script="Ethi" typeface="Nyala"/>
+        <a:font script="Beng" typeface="Vrinda"/>
+        <a:font script="Gujr" typeface="Shruti"/>
+        <a:font script="Khmr" typeface="MoolBoran"/>
+        <a:font script="Knda" typeface="Tunga"/>
+        <a:font script="Guru" typeface="Raavi"/>
+        <a:font script="Cans" typeface="Euphemia"/>
+        <a:font script="Cher" typeface="Plantagenet Cherokee"/>
+        <a:font script="Yiii" typeface="Microsoft Yi Baiti"/>
+        <a:font script="Tibt" typeface="Microsoft Himalaya"/>
+        <a:font script="Thaa" typeface="MV Boli"/>
+        <a:font script="Deva" typeface="Mangal"/>
+        <a:font script="Telu" typeface="Gautami"/>
+        <a:font script="Taml" typeface="Latha"/>
+        <a:font script="Syrc" typeface="Estrangelo Edessa"/>
+        <a:font script="Orya" typeface="Kalinga"/>
+        <a:font script="Mlym" typeface="Kartika"/>
+        <a:font script="Laoo" typeface="DokChampa"/>
+        <a:font script="Sinh" typeface="Iskoola Pota"/>
+        <a:font script="Mong" typeface="Mongolian Baiti"/>
+        <a:font script="Viet" typeface="Times New Roman"/>
+        <a:font script="Uigh" typeface="Microsoft Uighur"/>
+        <a:font script="Geor" typeface="Sylfaen"/>
+        <a:font script="Armn" typeface="Arial"/>
+        <a:font script="Bugi" typeface="Leelawadee UI"/>
+        <a:font script="Bopo" typeface="Microsoft JhengHei"/>
+        <a:font script="Java" typeface="Javanese Text"/>
+        <a:font script="Lisu" typeface="Segoe UI"/>
+        <a:font script="Mymr" typeface="Myanmar Text"/>
+        <a:font script="Nkoo" typeface="Ebrima"/>
+        <a:font script="Olck" typeface="Nirmala UI"/>
+        <a:font script="Osma" typeface="Ebrima"/>
+        <a:font script="Phag" typeface="Phagspa"/>
+        <a:font script="Syrn" typeface="Estrangelo Edessa"/>
+        <a:font script="Syrj" typeface="Estrangelo Edessa"/>
+        <a:font script="Syre" typeface="Estrangelo Edessa"/>
+        <a:font script="Sora" typeface="Nirmala UI"/>
+        <a:font script="Tale" typeface="Microsoft Tai Le"/>
+        <a:font script="Talu" typeface="Microsoft New Tai Lue"/>
+        <a:font script="Tfng" typeface="Ebrima"/>
+      </a:majorFont>
+      <a:minorFont>
+        <a:latin typeface="Calibri" panose="020F0502020204030204"/>
+        <a:ea typeface=""/>
+        <a:cs typeface=""/>
+        <a:font script="Jpan" typeface="游ゴシック"/>
+        <a:font script="Hang" typeface="맑은 고딕"/>
+        <a:font script="Hans" typeface="等线"/>
+        <a:font script="Hant" typeface="新細明體"/>
+        <a:font script="Arab" typeface="Arial"/>
+        <a:font script="Hebr" typeface="Arial"/>
+        <a:font script="Thai" typeface="Cordia New"/>
+        <a:font script="Ethi" typeface="Nyala"/>
+        <a:font script="Beng" typeface="Vrinda"/>
+        <a:font script="Gujr" typeface="Shruti"/>
+        <a:font script="Khmr" typeface="DaunPenh"/>
+        <a:font script="Knda" typeface="Tunga"/>
+        <a:font script="Guru" typeface="Raavi"/>
+        <a:font script="Cans" typeface="Euphemia"/>
+        <a:font script="Cher" typeface="Plantagenet Cherokee"/>
+        <a:font script="Yiii" typeface="Microsoft Yi Baiti"/>
+        <a:font script="Tibt" typeface="Microsoft Himalaya"/>
+        <a:font script="Thaa" typeface="MV Boli"/>
+        <a:font script="Deva" typeface="Mangal"/>
+        <a:font script="Telu" typeface="Gautami"/>
+        <a:font script="Taml" typeface="Latha"/>
+        <a:font script="Syrc" typeface="Estrangelo Edessa"/>
+        <a:font script="Orya" typeface="Kalinga"/>
+        <a:font script="Mlym" typeface="Kartika"/>
+        <a:font script="Laoo" typeface="DokChampa"/>
+        <a:font script="Sinh" typeface="Iskoola Pota"/>
+        <a:font script="Mong" typeface="Mongolian Baiti"/>
+        <a:font script="Viet" typeface="Arial"/>
+        <a:font script="Uigh" typeface="Microsoft Uighur"/>
+        <a:font script="Geor" typeface="Sylfaen"/>
+        <a:font script="Armn" typeface="Arial"/>
+        <a:font script="Bugi" typeface="Leelawadee UI"/>
+        <a:font script="Bopo" typeface="Microsoft JhengHei"/>
+        <a:font script="Java" typeface="Javanese Text"/>
+        <a:font script="Lisu" typeface="Segoe UI"/>
+        <a:font script="Mymr" typeface="Myanmar Text"/>
+        <a:font script="Nkoo" typeface="Ebrima"/>
+        <a:font script="Olck" typeface="Nirmala UI"/>
+        <a:font script="Osma" typeface="Ebrima"/>
+        <a:font script="Phag" typeface="Phagspa"/>
+        <a:font script="Syrn" typeface="Estrangelo Edessa"/>
+        <a:font script="Syrj" typeface="Estrangelo Edessa"/>
+        <a:font script="Syre" typeface="Estrangelo Edessa"/>
+        <a:font script="Sora" typeface="Nirmala UI"/>
+        <a:font script="Tale" typeface="Microsoft Tai Le"/>
+        <a:font script="Talu" typeface="Microsoft New Tai Lue"/>
+        <a:font script="Tfng" typeface="Ebrima"/>
+      </a:minorFont>
+    </a:fontScheme>
+    <a:fmtScheme name="Office">
+      <a:fillStyleLst>
+        <a:solidFill>
+          <a:schemeClr val="phClr"/>
+        </a:solidFill>
+        <a:gradFill rotWithShape="1">
+          <a:gsLst>
+            <a:gs pos="0">
+              <a:schemeClr val="phClr">
+                <a:lumMod val="110000"/>
+                <a:satMod val="105000"/>
+                <a:tint val="67000"/>
+              </a:schemeClr>
+            </a:gs>
+            <a:gs pos="50000">
+              <a:schemeClr val="phClr">
+                <a:lumMod val="105000"/>
+                <a:satMod val="103000"/>
+                <a:tint val="73000"/>
+              </a:schemeClr>
+            </a:gs>
+            <a:gs pos="100000">
+              <a:schemeClr val="phClr">
+                <a:lumMod val="105000"/>
+                <a:satMod val="109000"/>
+                <a:tint val="81000"/>
+              </a:schemeClr>
+            </a:gs>
+          </a:gsLst>
+          <a:lin ang="5400000" scaled="0"/>
+        </a:gradFill>
+        <a:gradFill rotWithShape="1">
+          <a:gsLst>
+            <a:gs pos="0">
+              <a:schemeClr val="phClr">
+                <a:satMod val="103000"/>
+                <a:lumMod val="102000"/>
+                <a:tint val="94000"/>
+              </a:schemeClr>
+            </a:gs>
+            <a:gs pos="50000">
+              <a:schemeClr val="phClr">
+                <a:satMod val="110000"/>
+                <a:lumMod val="100000"/>
+                <a:shade val="100000"/>
+              </a:schemeClr>
+            </a:gs>
+            <a:gs pos="100000">
+              <a:schemeClr val="phClr">
+                <a:lumMod val="99000"/>
+                <a:satMod val="120000"/>
+                <a:shade val="78000"/>
+              </a:schemeClr>
+            </a:gs>
+          </a:gsLst>
+          <a:lin ang="5400000" scaled="0"/>
+        </a:gradFill>
+      </a:fillStyleLst>
+      <a:lnStyleLst>
+        <a:ln w="6350" cap="flat" cmpd="sng" algn="ctr">
+          <a:solidFill>
+            <a:schemeClr val="phClr"/>
+          </a:solidFill>
+          <a:prstDash val="solid"/>
+          <a:miter lim="800000"/>
+        </a:ln>
+        <a:ln w="12700" cap="flat" cmpd="sng" algn="ctr">
+          <a:solidFill>
+            <a:schemeClr val="phClr"/>
+          </a:solidFill>
+          <a:prstDash val="solid"/>
+          <a:miter lim="800000"/>
+        </a:ln>
+        <a:ln w="19050" cap="flat" cmpd="sng" algn="ctr">
+          <a:solidFill>
+            <a:schemeClr val="phClr"/>
+          </a:solidFill>
+          <a:prstDash val="solid"/>
+          <a:miter lim="800000"/>
+        </a:ln>
+      </a:lnStyleLst>
+      <a:effectStyleLst>
+        <a:effectStyle>
+          <a:effectLst/>
+        </a:effectStyle>
+        <a:effectStyle>
+          <a:effectLst/>
+        </a:effectStyle>
+        <a:effectStyle>
+          <a:effectLst>
+            <a:outerShdw blurRad="57150" dist="19050" dir="5400000" algn="ctr" rotWithShape="0">
+              <a:srgbClr val="000000">
+                <a:alpha val="63000"/>
+              </a:srgbClr>
+            </a:outerShdw>
+          </a:effectLst>
+        </a:effectStyle>
+      </a:effectStyleLst>
+      <a:bgFillStyleLst>
+        <a:solidFill>
+          <a:schemeClr val="phClr"/>
+        </a:solidFill>
+        <a:solidFill>
+          <a:schemeClr val="phClr">
+            <a:tint val="95000"/>
+            <a:satMod val="170000"/>
+          </a:schemeClr>
+        </a:solidFill>
+        <a:gradFill rotWithShape="1">
+          <a:gsLst>
+            <a:gs pos="0">
+              <a:schemeClr val="phClr">
+                <a:tint val="93000"/>
+                <a:satMod val="150000"/>
+                <a:shade val="98000"/>
+                <a:lumMod val="102000"/>
+              </a:schemeClr>
+            </a:gs>
+            <a:gs pos="50000">
+              <a:schemeClr val="phClr">
+                <a:tint val="98000"/>
+                <a:satMod val="130000"/>
+                <a:shade val="90000"/>
+                <a:lumMod val="103000"/>
+              </a:schemeClr>
+            </a:gs>
+            <a:gs pos="100000">
+              <a:schemeClr val="phClr">
+                <a:shade val="63000"/>
+                <a:satMod val="120000"/>
+              </a:schemeClr>
+            </a:gs>
+          </a:gsLst>
+          <a:lin ang="5400000" scaled="0"/>
+        </a:gradFill>
+      </a:bgFillStyleLst>
+    </a:fmtScheme>
+  </a:themeElements>
+  <a:objectDefaults/>
+  <a:extraClrSchemeLst/>
+  <a:extLst>
+    <a:ext uri="{05A4C25C-085E-4340-85A3-A5531E510DB2}">
+      <thm15:themeFamily xmlns:thm15="http://schemas.microsoft.com/office/thememl/2012/main" name="Office Theme" id="{62F939B6-93AF-4DB8-9C6B-D6C7DFDC589F}" vid="{4A3C46E8-61CC-4603-A589-7422A47A8E4A}"/>
+    </a:ext>
+  </a:extLst>
+</a:theme>
 </file>